--- a/Documentos/ApresentaçãoCiclo1.pptx
+++ b/Documentos/ApresentaçãoCiclo1.pptx
@@ -6,14 +6,18 @@
   </p:sldMasterIdLst>
   <p:sldIdLst>
     <p:sldId id="256" r:id="rId2"/>
-    <p:sldId id="257" r:id="rId3"/>
-    <p:sldId id="263" r:id="rId4"/>
-    <p:sldId id="264" r:id="rId5"/>
-    <p:sldId id="258" r:id="rId6"/>
-    <p:sldId id="259" r:id="rId7"/>
-    <p:sldId id="260" r:id="rId8"/>
-    <p:sldId id="261" r:id="rId9"/>
-    <p:sldId id="262" r:id="rId10"/>
+    <p:sldId id="265" r:id="rId3"/>
+    <p:sldId id="266" r:id="rId4"/>
+    <p:sldId id="267" r:id="rId5"/>
+    <p:sldId id="268" r:id="rId6"/>
+    <p:sldId id="269" r:id="rId7"/>
+    <p:sldId id="270" r:id="rId8"/>
+    <p:sldId id="271" r:id="rId9"/>
+    <p:sldId id="277" r:id="rId10"/>
+    <p:sldId id="275" r:id="rId11"/>
+    <p:sldId id="273" r:id="rId12"/>
+    <p:sldId id="274" r:id="rId13"/>
+    <p:sldId id="276" r:id="rId14"/>
   </p:sldIdLst>
   <p:sldSz cx="9144000" cy="6858000" type="screen4x3"/>
   <p:notesSz cx="6858000" cy="9144000"/>
@@ -174,7 +178,7 @@
           <a:p>
             <a:fld id="{10252D04-3DDF-4989-8ED7-4FE6A00B6A19}" type="datetimeFigureOut">
               <a:rPr lang="pt-BR" smtClean="0"/>
-              <a:t>07/10/2012</a:t>
+              <a:t>09/10/2012</a:t>
             </a:fld>
             <a:endParaRPr lang="pt-BR"/>
           </a:p>
@@ -490,7 +494,7 @@
           <a:p>
             <a:fld id="{10252D04-3DDF-4989-8ED7-4FE6A00B6A19}" type="datetimeFigureOut">
               <a:rPr lang="pt-BR" smtClean="0"/>
-              <a:t>07/10/2012</a:t>
+              <a:t>09/10/2012</a:t>
             </a:fld>
             <a:endParaRPr lang="pt-BR"/>
           </a:p>
@@ -665,7 +669,7 @@
           <a:p>
             <a:fld id="{10252D04-3DDF-4989-8ED7-4FE6A00B6A19}" type="datetimeFigureOut">
               <a:rPr lang="pt-BR" smtClean="0"/>
-              <a:t>07/10/2012</a:t>
+              <a:t>09/10/2012</a:t>
             </a:fld>
             <a:endParaRPr lang="pt-BR"/>
           </a:p>
@@ -783,7 +787,7 @@
           <a:p>
             <a:fld id="{10252D04-3DDF-4989-8ED7-4FE6A00B6A19}" type="datetimeFigureOut">
               <a:rPr lang="pt-BR" smtClean="0"/>
-              <a:t>07/10/2012</a:t>
+              <a:t>09/10/2012</a:t>
             </a:fld>
             <a:endParaRPr lang="pt-BR"/>
           </a:p>
@@ -1081,7 +1085,7 @@
           <a:p>
             <a:fld id="{10252D04-3DDF-4989-8ED7-4FE6A00B6A19}" type="datetimeFigureOut">
               <a:rPr lang="pt-BR" smtClean="0"/>
-              <a:t>07/10/2012</a:t>
+              <a:t>09/10/2012</a:t>
             </a:fld>
             <a:endParaRPr lang="pt-BR"/>
           </a:p>
@@ -1374,7 +1378,7 @@
           <a:p>
             <a:fld id="{10252D04-3DDF-4989-8ED7-4FE6A00B6A19}" type="datetimeFigureOut">
               <a:rPr lang="pt-BR" smtClean="0"/>
-              <a:t>07/10/2012</a:t>
+              <a:t>09/10/2012</a:t>
             </a:fld>
             <a:endParaRPr lang="pt-BR"/>
           </a:p>
@@ -1802,7 +1806,7 @@
           <a:p>
             <a:fld id="{10252D04-3DDF-4989-8ED7-4FE6A00B6A19}" type="datetimeFigureOut">
               <a:rPr lang="pt-BR" smtClean="0"/>
-              <a:t>07/10/2012</a:t>
+              <a:t>09/10/2012</a:t>
             </a:fld>
             <a:endParaRPr lang="pt-BR"/>
           </a:p>
@@ -1920,7 +1924,7 @@
           <a:p>
             <a:fld id="{10252D04-3DDF-4989-8ED7-4FE6A00B6A19}" type="datetimeFigureOut">
               <a:rPr lang="pt-BR" smtClean="0"/>
-              <a:t>07/10/2012</a:t>
+              <a:t>09/10/2012</a:t>
             </a:fld>
             <a:endParaRPr lang="pt-BR"/>
           </a:p>
@@ -2010,7 +2014,7 @@
           <a:p>
             <a:fld id="{10252D04-3DDF-4989-8ED7-4FE6A00B6A19}" type="datetimeFigureOut">
               <a:rPr lang="pt-BR" smtClean="0"/>
-              <a:t>07/10/2012</a:t>
+              <a:t>09/10/2012</a:t>
             </a:fld>
             <a:endParaRPr lang="pt-BR"/>
           </a:p>
@@ -2260,7 +2264,7 @@
           <a:p>
             <a:fld id="{10252D04-3DDF-4989-8ED7-4FE6A00B6A19}" type="datetimeFigureOut">
               <a:rPr lang="pt-BR" smtClean="0"/>
-              <a:t>07/10/2012</a:t>
+              <a:t>09/10/2012</a:t>
             </a:fld>
             <a:endParaRPr lang="pt-BR"/>
           </a:p>
@@ -2776,7 +2780,7 @@
           <a:p>
             <a:fld id="{10252D04-3DDF-4989-8ED7-4FE6A00B6A19}" type="datetimeFigureOut">
               <a:rPr lang="pt-BR" smtClean="0"/>
-              <a:t>07/10/2012</a:t>
+              <a:t>09/10/2012</a:t>
             </a:fld>
             <a:endParaRPr lang="pt-BR"/>
           </a:p>
@@ -3006,7 +3010,7 @@
           <a:p>
             <a:fld id="{10252D04-3DDF-4989-8ED7-4FE6A00B6A19}" type="datetimeFigureOut">
               <a:rPr lang="pt-BR" smtClean="0"/>
-              <a:t>07/10/2012</a:t>
+              <a:t>09/10/2012</a:t>
             </a:fld>
             <a:endParaRPr lang="pt-BR"/>
           </a:p>
@@ -3594,7 +3598,6 @@
               <a:rPr lang="pt-BR" dirty="0"/>
               <a:t> Costa de Melo e Leonardo Machado Pereira </a:t>
             </a:r>
-            <a:endParaRPr lang="pt-BR" dirty="0"/>
           </a:p>
         </p:txBody>
       </p:sp>
@@ -3695,7 +3698,7 @@
 </p:sld>
 </file>
 
-<file path=ppt/slides/slide2.xml><?xml version="1.0" encoding="utf-8"?>
+<file path=ppt/slides/slide10.xml><?xml version="1.0" encoding="utf-8"?>
 <p:sld xmlns:a="http://schemas.openxmlformats.org/drawingml/2006/main" xmlns:r="http://schemas.openxmlformats.org/officeDocument/2006/relationships" xmlns:p="http://schemas.openxmlformats.org/presentationml/2006/main">
   <p:cSld>
     <p:spTree>
@@ -3722,21 +3725,20 @@
             <p:ph type="title"/>
           </p:nvPr>
         </p:nvSpPr>
-        <p:spPr/>
-        <p:txBody>
-          <a:bodyPr/>
-          <a:lstStyle/>
-          <a:p>
+        <p:spPr>
+          <a:xfrm>
+            <a:off x="609600" y="274638"/>
+            <a:ext cx="7924800" cy="562074"/>
+          </a:xfrm>
+        </p:spPr>
+        <p:txBody>
+          <a:bodyPr/>
+          <a:lstStyle/>
+          <a:p>
+            <a:pPr algn="ctr"/>
             <a:r>
               <a:rPr lang="pt-BR" dirty="0" smtClean="0"/>
-              <a:t>Caso de uso</a:t>
-            </a:r>
-            <a:br>
-              <a:rPr lang="pt-BR" dirty="0" smtClean="0"/>
-            </a:br>
-            <a:r>
-              <a:rPr lang="pt-BR" dirty="0" smtClean="0"/>
-              <a:t>Disponibilizar acomodação</a:t>
+              <a:t>Tela de cadastro de acomodação</a:t>
             </a:r>
             <a:endParaRPr lang="pt-BR" dirty="0"/>
           </a:p>
@@ -3766,15 +3768,15 @@
         </p:blipFill>
         <p:spPr>
           <a:xfrm>
-            <a:off x="1547664" y="1916832"/>
-            <a:ext cx="5980953" cy="3171429"/>
+            <a:off x="1835696" y="908720"/>
+            <a:ext cx="5256584" cy="5832648"/>
           </a:xfrm>
         </p:spPr>
       </p:pic>
     </p:spTree>
     <p:extLst>
       <p:ext uri="{BB962C8B-B14F-4D97-AF65-F5344CB8AC3E}">
-        <p14:creationId xmlns:p14="http://schemas.microsoft.com/office/powerpoint/2010/main" val="974271034"/>
+        <p14:creationId xmlns:p14="http://schemas.microsoft.com/office/powerpoint/2010/main" val="1187820420"/>
       </p:ext>
     </p:extLst>
   </p:cSld>
@@ -3791,7 +3793,7 @@
 </p:sld>
 </file>
 
-<file path=ppt/slides/slide3.xml><?xml version="1.0" encoding="utf-8"?>
+<file path=ppt/slides/slide11.xml><?xml version="1.0" encoding="utf-8"?>
 <p:sld xmlns:a="http://schemas.openxmlformats.org/drawingml/2006/main" xmlns:r="http://schemas.openxmlformats.org/officeDocument/2006/relationships" xmlns:p="http://schemas.openxmlformats.org/presentationml/2006/main">
   <p:cSld>
     <p:spTree>
@@ -3818,133 +3820,57 @@
             <p:ph type="title"/>
           </p:nvPr>
         </p:nvSpPr>
-        <p:spPr/>
-        <p:txBody>
-          <a:bodyPr/>
-          <a:lstStyle/>
-          <a:p>
-            <a:r>
-              <a:rPr lang="pt-BR" b="1" dirty="0"/>
-              <a:t>Solicitar </a:t>
-            </a:r>
-            <a:r>
-              <a:rPr lang="pt-BR" b="1" dirty="0" smtClean="0"/>
-              <a:t>acesso</a:t>
+        <p:spPr>
+          <a:xfrm>
+            <a:off x="1185664" y="274638"/>
+            <a:ext cx="6626696" cy="634082"/>
+          </a:xfrm>
+        </p:spPr>
+        <p:txBody>
+          <a:bodyPr/>
+          <a:lstStyle/>
+          <a:p>
+            <a:r>
+              <a:rPr lang="pt-BR" dirty="0" smtClean="0"/>
+              <a:t>Tela de cadastro do colaborador</a:t>
             </a:r>
             <a:endParaRPr lang="pt-BR" dirty="0"/>
           </a:p>
         </p:txBody>
       </p:sp>
-      <p:sp>
-        <p:nvSpPr>
-          <p:cNvPr id="3" name="Espaço Reservado para Conteúdo 2"/>
-          <p:cNvSpPr>
-            <a:spLocks noGrp="1"/>
-          </p:cNvSpPr>
+      <p:pic>
+        <p:nvPicPr>
+          <p:cNvPr id="4" name="Espaço Reservado para Conteúdo 3"/>
+          <p:cNvPicPr>
+            <a:picLocks noGrp="1" noChangeAspect="1"/>
+          </p:cNvPicPr>
           <p:nvPr>
             <p:ph sz="quarter" idx="13"/>
           </p:nvPr>
-        </p:nvSpPr>
-        <p:spPr/>
-        <p:txBody>
-          <a:bodyPr/>
-          <a:lstStyle/>
-          <a:p>
-            <a:r>
-              <a:rPr lang="pt-BR" dirty="0" smtClean="0"/>
-              <a:t>Fluxo Principal</a:t>
-            </a:r>
-          </a:p>
-          <a:p>
-            <a:pPr lvl="1"/>
-            <a:r>
-              <a:rPr lang="pt-BR" dirty="0" smtClean="0"/>
-              <a:t>1</a:t>
-            </a:r>
-            <a:r>
-              <a:rPr lang="pt-BR" dirty="0"/>
-              <a:t>. Colaborador efetua o cadastro </a:t>
-            </a:r>
-          </a:p>
-          <a:p>
-            <a:pPr lvl="1"/>
-            <a:r>
-              <a:rPr lang="pt-BR" dirty="0"/>
-              <a:t>2. Administrador libera acesso ao colaborador 	</a:t>
-            </a:r>
-            <a:endParaRPr lang="pt-BR" dirty="0" smtClean="0"/>
-          </a:p>
-          <a:p>
-            <a:endParaRPr lang="pt-BR" dirty="0" smtClean="0"/>
-          </a:p>
-          <a:p>
-            <a:r>
-              <a:rPr lang="pt-BR" dirty="0" smtClean="0"/>
-              <a:t>Casos </a:t>
-            </a:r>
-            <a:r>
-              <a:rPr lang="pt-BR" dirty="0"/>
-              <a:t>de </a:t>
-            </a:r>
-            <a:r>
-              <a:rPr lang="pt-BR" dirty="0" smtClean="0"/>
-              <a:t>Teste</a:t>
-            </a:r>
-            <a:endParaRPr lang="pt-BR" dirty="0"/>
-          </a:p>
-          <a:p>
-            <a:pPr lvl="1"/>
-            <a:r>
-              <a:rPr lang="pt-BR" sz="1800" dirty="0"/>
-              <a:t>Validar cadastro de colaborador </a:t>
-            </a:r>
-          </a:p>
-          <a:p>
-            <a:pPr lvl="1"/>
-            <a:r>
-              <a:rPr lang="pt-BR" sz="1800" dirty="0" smtClean="0"/>
-              <a:t>Validar </a:t>
-            </a:r>
-            <a:r>
-              <a:rPr lang="pt-BR" sz="1800" dirty="0"/>
-              <a:t>se o CPF do colaborador é válido </a:t>
-            </a:r>
-          </a:p>
-          <a:p>
-            <a:pPr lvl="1"/>
-            <a:r>
-              <a:rPr lang="pt-BR" sz="1800" dirty="0" smtClean="0"/>
-              <a:t>Validar </a:t>
-            </a:r>
-            <a:r>
-              <a:rPr lang="pt-BR" sz="1800" dirty="0"/>
-              <a:t>acesso de colaborador liberado </a:t>
-            </a:r>
-          </a:p>
-          <a:p>
-            <a:pPr lvl="1"/>
-            <a:r>
-              <a:rPr lang="pt-BR" sz="1800" dirty="0" smtClean="0"/>
-              <a:t>Validar </a:t>
-            </a:r>
-            <a:r>
-              <a:rPr lang="pt-BR" sz="1800" dirty="0"/>
-              <a:t>acesso de colaborador não liberado 	</a:t>
-            </a:r>
-          </a:p>
-          <a:p>
-            <a:pPr lvl="1"/>
-            <a:endParaRPr lang="pt-BR" dirty="0"/>
-          </a:p>
-          <a:p>
-            <a:endParaRPr lang="pt-BR" dirty="0"/>
-          </a:p>
-        </p:txBody>
-      </p:sp>
+        </p:nvPicPr>
+        <p:blipFill>
+          <a:blip r:embed="rId2">
+            <a:extLst>
+              <a:ext uri="{28A0092B-C50C-407E-A947-70E740481C1C}">
+                <a14:useLocalDpi xmlns:a14="http://schemas.microsoft.com/office/drawing/2010/main" val="0"/>
+              </a:ext>
+            </a:extLst>
+          </a:blip>
+          <a:stretch>
+            <a:fillRect/>
+          </a:stretch>
+        </p:blipFill>
+        <p:spPr>
+          <a:xfrm>
+            <a:off x="1403648" y="1756589"/>
+            <a:ext cx="6264696" cy="3758817"/>
+          </a:xfrm>
+        </p:spPr>
+      </p:pic>
     </p:spTree>
     <p:extLst>
       <p:ext uri="{BB962C8B-B14F-4D97-AF65-F5344CB8AC3E}">
-        <p14:creationId xmlns:p14="http://schemas.microsoft.com/office/powerpoint/2010/main" val="3702765219"/>
+        <p14:creationId xmlns:p14="http://schemas.microsoft.com/office/powerpoint/2010/main" val="3047077653"/>
       </p:ext>
     </p:extLst>
   </p:cSld>
@@ -3961,7 +3887,7 @@
 </p:sld>
 </file>
 
-<file path=ppt/slides/slide4.xml><?xml version="1.0" encoding="utf-8"?>
+<file path=ppt/slides/slide12.xml><?xml version="1.0" encoding="utf-8"?>
 <p:sld xmlns:a="http://schemas.openxmlformats.org/drawingml/2006/main" xmlns:r="http://schemas.openxmlformats.org/officeDocument/2006/relationships" xmlns:p="http://schemas.openxmlformats.org/presentationml/2006/main">
   <p:cSld>
     <p:spTree>
@@ -3988,153 +3914,47 @@
             <p:ph type="title"/>
           </p:nvPr>
         </p:nvSpPr>
+        <p:spPr>
+          <a:xfrm>
+            <a:off x="2913856" y="274638"/>
+            <a:ext cx="3602360" cy="634082"/>
+          </a:xfrm>
+        </p:spPr>
+        <p:txBody>
+          <a:bodyPr/>
+          <a:lstStyle/>
+          <a:p>
+            <a:r>
+              <a:rPr lang="pt-BR" dirty="0" smtClean="0"/>
+              <a:t>Tela de liberação</a:t>
+            </a:r>
+            <a:endParaRPr lang="pt-BR" dirty="0"/>
+          </a:p>
+        </p:txBody>
+      </p:sp>
+      <p:sp>
+        <p:nvSpPr>
+          <p:cNvPr id="3" name="Espaço Reservado para Conteúdo 2"/>
+          <p:cNvSpPr>
+            <a:spLocks noGrp="1"/>
+          </p:cNvSpPr>
+          <p:nvPr>
+            <p:ph sz="quarter" idx="13"/>
+          </p:nvPr>
+        </p:nvSpPr>
         <p:spPr/>
         <p:txBody>
           <a:bodyPr/>
           <a:lstStyle/>
           <a:p>
-            <a:r>
-              <a:rPr lang="pt-BR" b="1" dirty="0"/>
-              <a:t>Cadastrar </a:t>
-            </a:r>
-            <a:r>
-              <a:rPr lang="pt-BR" b="1" dirty="0" smtClean="0"/>
-              <a:t>acomodação</a:t>
-            </a:r>
-            <a:endParaRPr lang="pt-BR" dirty="0"/>
-          </a:p>
-        </p:txBody>
-      </p:sp>
-      <p:sp>
-        <p:nvSpPr>
-          <p:cNvPr id="3" name="Espaço Reservado para Conteúdo 2"/>
-          <p:cNvSpPr>
-            <a:spLocks noGrp="1"/>
-          </p:cNvSpPr>
-          <p:nvPr>
-            <p:ph sz="quarter" idx="13"/>
-          </p:nvPr>
-        </p:nvSpPr>
-        <p:spPr/>
-        <p:txBody>
-          <a:bodyPr>
-            <a:normAutofit/>
-          </a:bodyPr>
-          <a:lstStyle/>
-          <a:p>
-            <a:r>
-              <a:rPr lang="pt-BR" dirty="0"/>
-              <a:t>Fluxo Principal 	</a:t>
-            </a:r>
-          </a:p>
-          <a:p>
-            <a:pPr lvl="1"/>
-            <a:r>
-              <a:rPr lang="pt-BR" sz="1800" dirty="0" smtClean="0"/>
-              <a:t>1. Colaborador </a:t>
-            </a:r>
-            <a:r>
-              <a:rPr lang="pt-BR" sz="1800" dirty="0"/>
-              <a:t>acessa o sistema </a:t>
-            </a:r>
-          </a:p>
-          <a:p>
-            <a:pPr lvl="1"/>
-            <a:r>
-              <a:rPr lang="pt-BR" sz="1800" dirty="0"/>
-              <a:t>2. Colaborador cadastra acomodação </a:t>
-            </a:r>
-          </a:p>
-          <a:p>
-            <a:pPr lvl="1"/>
-            <a:r>
-              <a:rPr lang="pt-BR" sz="1800" dirty="0"/>
-              <a:t>3. Sistema disponibiliza acomodação para </a:t>
-            </a:r>
-            <a:r>
-              <a:rPr lang="pt-BR" sz="1800" dirty="0" smtClean="0"/>
-              <a:t>consulta</a:t>
-            </a:r>
-          </a:p>
-          <a:p>
-            <a:r>
-              <a:rPr lang="pt-BR" sz="1800" dirty="0"/>
-              <a:t>Casos de </a:t>
-            </a:r>
-            <a:r>
-              <a:rPr lang="pt-BR" sz="1800" dirty="0" smtClean="0"/>
-              <a:t>Teste</a:t>
-            </a:r>
-          </a:p>
-          <a:p>
-            <a:pPr lvl="1"/>
-            <a:r>
-              <a:rPr lang="pt-BR" sz="1800" dirty="0"/>
-              <a:t>Validar cadastro de acomodação </a:t>
-            </a:r>
-          </a:p>
-          <a:p>
-            <a:pPr lvl="1"/>
-            <a:r>
-              <a:rPr lang="pt-BR" sz="1800" dirty="0" smtClean="0"/>
-              <a:t>Validar </a:t>
-            </a:r>
-            <a:r>
-              <a:rPr lang="pt-BR" sz="1800" dirty="0"/>
-              <a:t>alteração da acomodação </a:t>
-            </a:r>
-          </a:p>
-          <a:p>
-            <a:pPr lvl="1"/>
-            <a:r>
-              <a:rPr lang="pt-BR" sz="1800" dirty="0" smtClean="0"/>
-              <a:t>Validar </a:t>
-            </a:r>
-            <a:r>
-              <a:rPr lang="pt-BR" sz="1800" dirty="0"/>
-              <a:t>alteração do valor da diária </a:t>
-            </a:r>
-          </a:p>
-          <a:p>
-            <a:pPr lvl="1"/>
-            <a:r>
-              <a:rPr lang="pt-BR" sz="1800" dirty="0" smtClean="0"/>
-              <a:t>Validar </a:t>
-            </a:r>
-            <a:r>
-              <a:rPr lang="pt-BR" sz="1800" dirty="0"/>
-              <a:t>consulta de informações sobre reservas </a:t>
-            </a:r>
-          </a:p>
-          <a:p>
-            <a:pPr lvl="1"/>
-            <a:r>
-              <a:rPr lang="pt-BR" sz="1800" dirty="0" smtClean="0"/>
-              <a:t>Validar </a:t>
-            </a:r>
-            <a:r>
-              <a:rPr lang="pt-BR" sz="1800" dirty="0"/>
-              <a:t>disponibilização de acomodação, conforme </a:t>
-            </a:r>
-            <a:r>
-              <a:rPr lang="pt-BR" sz="1800" dirty="0" smtClean="0"/>
-              <a:t>período</a:t>
-            </a:r>
-            <a:r>
-              <a:rPr lang="pt-BR" sz="1800" dirty="0"/>
-              <a:t>	</a:t>
-            </a:r>
-          </a:p>
-          <a:p>
-            <a:pPr lvl="1"/>
-            <a:endParaRPr lang="pt-BR" dirty="0"/>
+            <a:endParaRPr lang="pt-BR"/>
           </a:p>
         </p:txBody>
       </p:sp>
     </p:spTree>
     <p:extLst>
       <p:ext uri="{BB962C8B-B14F-4D97-AF65-F5344CB8AC3E}">
-        <p14:creationId xmlns:p14="http://schemas.microsoft.com/office/powerpoint/2010/main" val="4194746151"/>
+        <p14:creationId xmlns:p14="http://schemas.microsoft.com/office/powerpoint/2010/main" val="1600424885"/>
       </p:ext>
     </p:extLst>
   </p:cSld>
@@ -4151,7 +3971,86 @@
 </p:sld>
 </file>
 
-<file path=ppt/slides/slide5.xml><?xml version="1.0" encoding="utf-8"?>
+<file path=ppt/slides/slide13.xml><?xml version="1.0" encoding="utf-8"?>
+<p:sld xmlns:a="http://schemas.openxmlformats.org/drawingml/2006/main" xmlns:r="http://schemas.openxmlformats.org/officeDocument/2006/relationships" xmlns:p="http://schemas.openxmlformats.org/presentationml/2006/main">
+  <p:cSld>
+    <p:spTree>
+      <p:nvGrpSpPr>
+        <p:cNvPr id="1" name=""/>
+        <p:cNvGrpSpPr/>
+        <p:nvPr/>
+      </p:nvGrpSpPr>
+      <p:grpSpPr>
+        <a:xfrm>
+          <a:off x="0" y="0"/>
+          <a:ext cx="0" cy="0"/>
+          <a:chOff x="0" y="0"/>
+          <a:chExt cx="0" cy="0"/>
+        </a:xfrm>
+      </p:grpSpPr>
+      <p:sp>
+        <p:nvSpPr>
+          <p:cNvPr id="2" name="Título 1"/>
+          <p:cNvSpPr>
+            <a:spLocks noGrp="1"/>
+          </p:cNvSpPr>
+          <p:nvPr>
+            <p:ph type="title"/>
+          </p:nvPr>
+        </p:nvSpPr>
+        <p:spPr/>
+        <p:txBody>
+          <a:bodyPr/>
+          <a:lstStyle/>
+          <a:p>
+            <a:r>
+              <a:rPr lang="pt-BR" dirty="0" smtClean="0"/>
+              <a:t>Demonstração do sistema</a:t>
+            </a:r>
+            <a:endParaRPr lang="pt-BR" dirty="0"/>
+          </a:p>
+        </p:txBody>
+      </p:sp>
+      <p:sp>
+        <p:nvSpPr>
+          <p:cNvPr id="3" name="Espaço Reservado para Conteúdo 2"/>
+          <p:cNvSpPr>
+            <a:spLocks noGrp="1"/>
+          </p:cNvSpPr>
+          <p:nvPr>
+            <p:ph sz="quarter" idx="13"/>
+          </p:nvPr>
+        </p:nvSpPr>
+        <p:spPr/>
+        <p:txBody>
+          <a:bodyPr/>
+          <a:lstStyle/>
+          <a:p>
+            <a:endParaRPr lang="pt-BR" dirty="0"/>
+          </a:p>
+        </p:txBody>
+      </p:sp>
+    </p:spTree>
+    <p:extLst>
+      <p:ext uri="{BB962C8B-B14F-4D97-AF65-F5344CB8AC3E}">
+        <p14:creationId xmlns:p14="http://schemas.microsoft.com/office/powerpoint/2010/main" val="55818227"/>
+      </p:ext>
+    </p:extLst>
+  </p:cSld>
+  <p:clrMapOvr>
+    <a:masterClrMapping/>
+  </p:clrMapOvr>
+  <p:timing>
+    <p:tnLst>
+      <p:par>
+        <p:cTn id="1" dur="indefinite" restart="never" nodeType="tmRoot"/>
+      </p:par>
+    </p:tnLst>
+  </p:timing>
+</p:sld>
+</file>
+
+<file path=ppt/slides/slide2.xml><?xml version="1.0" encoding="utf-8"?>
 <p:sld xmlns:a="http://schemas.openxmlformats.org/drawingml/2006/main" xmlns:r="http://schemas.openxmlformats.org/officeDocument/2006/relationships" xmlns:p="http://schemas.openxmlformats.org/presentationml/2006/main">
   <p:cSld>
     <p:spTree>
@@ -4264,7 +4163,7 @@
     </p:spTree>
     <p:extLst>
       <p:ext uri="{BB962C8B-B14F-4D97-AF65-F5344CB8AC3E}">
-        <p14:creationId xmlns:p14="http://schemas.microsoft.com/office/powerpoint/2010/main" val="3109836476"/>
+        <p14:creationId xmlns:p14="http://schemas.microsoft.com/office/powerpoint/2010/main" val="4078168934"/>
       </p:ext>
     </p:extLst>
   </p:cSld>
@@ -4278,6 +4177,303 @@
       </p:par>
     </p:tnLst>
   </p:timing>
+</p:sld>
+</file>
+
+<file path=ppt/slides/slide3.xml><?xml version="1.0" encoding="utf-8"?>
+<p:sld xmlns:a="http://schemas.openxmlformats.org/drawingml/2006/main" xmlns:r="http://schemas.openxmlformats.org/officeDocument/2006/relationships" xmlns:p="http://schemas.openxmlformats.org/presentationml/2006/main">
+  <p:cSld>
+    <p:spTree>
+      <p:nvGrpSpPr>
+        <p:cNvPr id="1" name=""/>
+        <p:cNvGrpSpPr/>
+        <p:nvPr/>
+      </p:nvGrpSpPr>
+      <p:grpSpPr>
+        <a:xfrm>
+          <a:off x="0" y="0"/>
+          <a:ext cx="0" cy="0"/>
+          <a:chOff x="0" y="0"/>
+          <a:chExt cx="0" cy="0"/>
+        </a:xfrm>
+      </p:grpSpPr>
+      <p:sp>
+        <p:nvSpPr>
+          <p:cNvPr id="2" name="Título 1"/>
+          <p:cNvSpPr>
+            <a:spLocks noGrp="1"/>
+          </p:cNvSpPr>
+          <p:nvPr>
+            <p:ph type="title"/>
+          </p:nvPr>
+        </p:nvSpPr>
+        <p:spPr/>
+        <p:txBody>
+          <a:bodyPr/>
+          <a:lstStyle/>
+          <a:p>
+            <a:pPr algn="ctr"/>
+            <a:r>
+              <a:rPr lang="pt-BR" dirty="0"/>
+              <a:t>Projeto: </a:t>
+            </a:r>
+            <a:r>
+              <a:rPr lang="pt-BR" b="1" dirty="0" err="1"/>
+              <a:t>Cooptel</a:t>
+            </a:r>
+            <a:r>
+              <a:rPr lang="pt-BR" b="1" dirty="0"/>
+              <a:t> - Cooperativa de </a:t>
+            </a:r>
+            <a:r>
+              <a:rPr lang="pt-BR" b="1" dirty="0" smtClean="0"/>
+              <a:t>Hospedagem</a:t>
+            </a:r>
+            <a:endParaRPr lang="pt-BR" dirty="0"/>
+          </a:p>
+        </p:txBody>
+      </p:sp>
+      <p:sp>
+        <p:nvSpPr>
+          <p:cNvPr id="3" name="Espaço Reservado para Conteúdo 2"/>
+          <p:cNvSpPr>
+            <a:spLocks noGrp="1"/>
+          </p:cNvSpPr>
+          <p:nvPr>
+            <p:ph sz="quarter" idx="13"/>
+          </p:nvPr>
+        </p:nvSpPr>
+        <p:spPr/>
+        <p:txBody>
+          <a:bodyPr/>
+          <a:lstStyle/>
+          <a:p>
+            <a:r>
+              <a:rPr lang="pt-BR" sz="2400" dirty="0"/>
+              <a:t>A </a:t>
+            </a:r>
+            <a:r>
+              <a:rPr lang="pt-BR" sz="2400" dirty="0" err="1"/>
+              <a:t>Cooptel</a:t>
+            </a:r>
+            <a:r>
+              <a:rPr lang="pt-BR" sz="2400" dirty="0"/>
+              <a:t> é uma cooperativa de hospedagem para visitantes da copa do mundo e de outros eventos que devem ocorrer no país. O Sistema </a:t>
+            </a:r>
+            <a:r>
+              <a:rPr lang="pt-BR" sz="2400" dirty="0" err="1"/>
+              <a:t>Cooptel</a:t>
+            </a:r>
+            <a:r>
+              <a:rPr lang="pt-BR" sz="2400" dirty="0"/>
+              <a:t> deve contar com uma rede de colaboradores que disponibilizam acomodações para visitantes. As acomodações são classificadas e ofertadas segundo uma padronização definida pela administração do sistema. O visitante, então, pode pesquisar as acomodações oferecidas conforme suas necessidades e, através do sistema, efetuar a reserva.</a:t>
+            </a:r>
+          </a:p>
+          <a:p>
+            <a:endParaRPr lang="pt-BR" dirty="0"/>
+          </a:p>
+        </p:txBody>
+      </p:sp>
+    </p:spTree>
+    <p:extLst>
+      <p:ext uri="{BB962C8B-B14F-4D97-AF65-F5344CB8AC3E}">
+        <p14:creationId xmlns:p14="http://schemas.microsoft.com/office/powerpoint/2010/main" val="2556782960"/>
+      </p:ext>
+    </p:extLst>
+  </p:cSld>
+  <p:clrMapOvr>
+    <a:masterClrMapping/>
+  </p:clrMapOvr>
+</p:sld>
+</file>
+
+<file path=ppt/slides/slide4.xml><?xml version="1.0" encoding="utf-8"?>
+<p:sld xmlns:a="http://schemas.openxmlformats.org/drawingml/2006/main" xmlns:r="http://schemas.openxmlformats.org/officeDocument/2006/relationships" xmlns:p="http://schemas.openxmlformats.org/presentationml/2006/main">
+  <p:cSld>
+    <p:spTree>
+      <p:nvGrpSpPr>
+        <p:cNvPr id="1" name=""/>
+        <p:cNvGrpSpPr/>
+        <p:nvPr/>
+      </p:nvGrpSpPr>
+      <p:grpSpPr>
+        <a:xfrm>
+          <a:off x="0" y="0"/>
+          <a:ext cx="0" cy="0"/>
+          <a:chOff x="0" y="0"/>
+          <a:chExt cx="0" cy="0"/>
+        </a:xfrm>
+      </p:grpSpPr>
+      <p:sp>
+        <p:nvSpPr>
+          <p:cNvPr id="2" name="Título 1"/>
+          <p:cNvSpPr>
+            <a:spLocks noGrp="1"/>
+          </p:cNvSpPr>
+          <p:nvPr>
+            <p:ph type="title"/>
+          </p:nvPr>
+        </p:nvSpPr>
+        <p:spPr>
+          <a:xfrm>
+            <a:off x="609600" y="274638"/>
+            <a:ext cx="7924800" cy="634082"/>
+          </a:xfrm>
+        </p:spPr>
+        <p:txBody>
+          <a:bodyPr/>
+          <a:lstStyle/>
+          <a:p>
+            <a:pPr algn="ctr"/>
+            <a:r>
+              <a:rPr lang="pt-BR" dirty="0" smtClean="0"/>
+              <a:t>Diagrama de Casos de uso</a:t>
+            </a:r>
+            <a:endParaRPr lang="pt-BR" dirty="0"/>
+          </a:p>
+        </p:txBody>
+      </p:sp>
+      <p:pic>
+        <p:nvPicPr>
+          <p:cNvPr id="5" name="Espaço Reservado para Conteúdo 4"/>
+          <p:cNvPicPr>
+            <a:picLocks noGrp="1"/>
+          </p:cNvPicPr>
+          <p:nvPr>
+            <p:ph sz="quarter" idx="13"/>
+          </p:nvPr>
+        </p:nvPicPr>
+        <p:blipFill>
+          <a:blip r:embed="rId2" cstate="print"/>
+          <a:srcRect/>
+          <a:stretch>
+            <a:fillRect/>
+          </a:stretch>
+        </p:blipFill>
+        <p:spPr bwMode="auto">
+          <a:xfrm>
+            <a:off x="1178507" y="1600200"/>
+            <a:ext cx="6786985" cy="4114800"/>
+          </a:xfrm>
+          <a:prstGeom prst="rect">
+            <a:avLst/>
+          </a:prstGeom>
+          <a:solidFill>
+            <a:srgbClr val="FFFFFF"/>
+          </a:solidFill>
+          <a:ln w="9525">
+            <a:noFill/>
+            <a:miter lim="800000"/>
+            <a:headEnd/>
+            <a:tailEnd/>
+          </a:ln>
+        </p:spPr>
+      </p:pic>
+    </p:spTree>
+    <p:extLst>
+      <p:ext uri="{BB962C8B-B14F-4D97-AF65-F5344CB8AC3E}">
+        <p14:creationId xmlns:p14="http://schemas.microsoft.com/office/powerpoint/2010/main" val="1067851073"/>
+      </p:ext>
+    </p:extLst>
+  </p:cSld>
+  <p:clrMapOvr>
+    <a:masterClrMapping/>
+  </p:clrMapOvr>
+  <p:timing>
+    <p:tnLst>
+      <p:par>
+        <p:cTn id="1" dur="indefinite" restart="never" nodeType="tmRoot"/>
+      </p:par>
+    </p:tnLst>
+  </p:timing>
+</p:sld>
+</file>
+
+<file path=ppt/slides/slide5.xml><?xml version="1.0" encoding="utf-8"?>
+<p:sld xmlns:a="http://schemas.openxmlformats.org/drawingml/2006/main" xmlns:r="http://schemas.openxmlformats.org/officeDocument/2006/relationships" xmlns:p="http://schemas.openxmlformats.org/presentationml/2006/main">
+  <p:cSld>
+    <p:spTree>
+      <p:nvGrpSpPr>
+        <p:cNvPr id="1" name=""/>
+        <p:cNvGrpSpPr/>
+        <p:nvPr/>
+      </p:nvGrpSpPr>
+      <p:grpSpPr>
+        <a:xfrm>
+          <a:off x="0" y="0"/>
+          <a:ext cx="0" cy="0"/>
+          <a:chOff x="0" y="0"/>
+          <a:chExt cx="0" cy="0"/>
+        </a:xfrm>
+      </p:grpSpPr>
+      <p:sp>
+        <p:nvSpPr>
+          <p:cNvPr id="2" name="Título 1"/>
+          <p:cNvSpPr>
+            <a:spLocks noGrp="1"/>
+          </p:cNvSpPr>
+          <p:nvPr>
+            <p:ph type="title"/>
+          </p:nvPr>
+        </p:nvSpPr>
+        <p:spPr/>
+        <p:txBody>
+          <a:bodyPr/>
+          <a:lstStyle/>
+          <a:p>
+            <a:pPr algn="ctr"/>
+            <a:r>
+              <a:rPr lang="pt-BR" dirty="0" smtClean="0"/>
+              <a:t>Diagrama de classes conceituais</a:t>
+            </a:r>
+            <a:endParaRPr lang="pt-BR" dirty="0"/>
+          </a:p>
+        </p:txBody>
+      </p:sp>
+      <p:pic>
+        <p:nvPicPr>
+          <p:cNvPr id="4" name="Espaço Reservado para Conteúdo 3"/>
+          <p:cNvPicPr>
+            <a:picLocks noGrp="1"/>
+          </p:cNvPicPr>
+          <p:nvPr>
+            <p:ph sz="quarter" idx="13"/>
+          </p:nvPr>
+        </p:nvPicPr>
+        <p:blipFill>
+          <a:blip r:embed="rId2" cstate="print"/>
+          <a:srcRect/>
+          <a:stretch>
+            <a:fillRect/>
+          </a:stretch>
+        </p:blipFill>
+        <p:spPr bwMode="auto">
+          <a:xfrm>
+            <a:off x="467544" y="1484784"/>
+            <a:ext cx="8208912" cy="4968552"/>
+          </a:xfrm>
+          <a:prstGeom prst="rect">
+            <a:avLst/>
+          </a:prstGeom>
+          <a:noFill/>
+          <a:ln w="9525">
+            <a:noFill/>
+            <a:miter lim="800000"/>
+            <a:headEnd/>
+            <a:tailEnd/>
+          </a:ln>
+        </p:spPr>
+      </p:pic>
+    </p:spTree>
+    <p:extLst>
+      <p:ext uri="{BB962C8B-B14F-4D97-AF65-F5344CB8AC3E}">
+        <p14:creationId xmlns:p14="http://schemas.microsoft.com/office/powerpoint/2010/main" val="364728174"/>
+      </p:ext>
+    </p:extLst>
+  </p:cSld>
+  <p:clrMapOvr>
+    <a:masterClrMapping/>
+  </p:clrMapOvr>
 </p:sld>
 </file>
 
@@ -4308,55 +4504,61 @@
             <p:ph type="title"/>
           </p:nvPr>
         </p:nvSpPr>
-        <p:spPr/>
-        <p:txBody>
-          <a:bodyPr/>
-          <a:lstStyle/>
-          <a:p>
+        <p:spPr>
+          <a:xfrm>
+            <a:off x="609600" y="274638"/>
+            <a:ext cx="7924800" cy="562074"/>
+          </a:xfrm>
+        </p:spPr>
+        <p:txBody>
+          <a:bodyPr/>
+          <a:lstStyle/>
+          <a:p>
+            <a:pPr algn="ctr"/>
             <a:r>
               <a:rPr lang="pt-BR" dirty="0" smtClean="0"/>
-              <a:t>Tela de cadastro do colaborador</a:t>
+              <a:t>Caso de uso disponibilizar acomodação</a:t>
             </a:r>
             <a:endParaRPr lang="pt-BR" dirty="0"/>
           </a:p>
         </p:txBody>
       </p:sp>
-      <p:sp>
-        <p:nvSpPr>
-          <p:cNvPr id="3" name="Espaço Reservado para Conteúdo 2"/>
-          <p:cNvSpPr>
-            <a:spLocks noGrp="1"/>
-          </p:cNvSpPr>
+      <p:pic>
+        <p:nvPicPr>
+          <p:cNvPr id="4" name="Espaço Reservado para Conteúdo 3"/>
+          <p:cNvPicPr>
+            <a:picLocks noGrp="1"/>
+          </p:cNvPicPr>
           <p:nvPr>
             <p:ph sz="quarter" idx="13"/>
           </p:nvPr>
-        </p:nvSpPr>
-        <p:spPr/>
-        <p:txBody>
-          <a:bodyPr/>
-          <a:lstStyle/>
-          <a:p>
-            <a:endParaRPr lang="pt-BR" dirty="0"/>
-          </a:p>
-        </p:txBody>
-      </p:sp>
+        </p:nvPicPr>
+        <p:blipFill>
+          <a:blip r:embed="rId2" cstate="print"/>
+          <a:stretch>
+            <a:fillRect/>
+          </a:stretch>
+        </p:blipFill>
+        <p:spPr>
+          <a:xfrm>
+            <a:off x="1931670" y="1600200"/>
+            <a:ext cx="5280660" cy="4114800"/>
+          </a:xfrm>
+          <a:prstGeom prst="rect">
+            <a:avLst/>
+          </a:prstGeom>
+        </p:spPr>
+      </p:pic>
     </p:spTree>
     <p:extLst>
       <p:ext uri="{BB962C8B-B14F-4D97-AF65-F5344CB8AC3E}">
-        <p14:creationId xmlns:p14="http://schemas.microsoft.com/office/powerpoint/2010/main" val="1592533499"/>
+        <p14:creationId xmlns:p14="http://schemas.microsoft.com/office/powerpoint/2010/main" val="971715267"/>
       </p:ext>
     </p:extLst>
   </p:cSld>
   <p:clrMapOvr>
     <a:masterClrMapping/>
   </p:clrMapOvr>
-  <p:timing>
-    <p:tnLst>
-      <p:par>
-        <p:cTn id="1" dur="indefinite" restart="never" nodeType="tmRoot"/>
-      </p:par>
-    </p:tnLst>
-  </p:timing>
 </p:sld>
 </file>
 
@@ -4393,36 +4595,127 @@
           <a:lstStyle/>
           <a:p>
             <a:r>
+              <a:rPr lang="pt-BR" b="1" dirty="0"/>
+              <a:t>Solicitar </a:t>
+            </a:r>
+            <a:r>
+              <a:rPr lang="pt-BR" b="1" dirty="0" smtClean="0"/>
+              <a:t>acesso</a:t>
+            </a:r>
+            <a:endParaRPr lang="pt-BR" dirty="0"/>
+          </a:p>
+        </p:txBody>
+      </p:sp>
+      <p:sp>
+        <p:nvSpPr>
+          <p:cNvPr id="3" name="Espaço Reservado para Conteúdo 2"/>
+          <p:cNvSpPr>
+            <a:spLocks noGrp="1"/>
+          </p:cNvSpPr>
+          <p:nvPr>
+            <p:ph sz="quarter" idx="13"/>
+          </p:nvPr>
+        </p:nvSpPr>
+        <p:spPr/>
+        <p:txBody>
+          <a:bodyPr/>
+          <a:lstStyle/>
+          <a:p>
+            <a:r>
               <a:rPr lang="pt-BR" dirty="0" smtClean="0"/>
-              <a:t>Tela de liberação</a:t>
+              <a:t>Fluxo Principal</a:t>
+            </a:r>
+          </a:p>
+          <a:p>
+            <a:pPr lvl="1"/>
+            <a:r>
+              <a:rPr lang="pt-BR" dirty="0" smtClean="0"/>
+              <a:t>1</a:t>
+            </a:r>
+            <a:r>
+              <a:rPr lang="pt-BR" dirty="0"/>
+              <a:t>. Colaborador efetua o cadastro </a:t>
+            </a:r>
+          </a:p>
+          <a:p>
+            <a:pPr lvl="1"/>
+            <a:r>
+              <a:rPr lang="pt-BR" dirty="0"/>
+              <a:t>2. Administrador libera acesso ao colaborador 	</a:t>
+            </a:r>
+            <a:endParaRPr lang="pt-BR" dirty="0" smtClean="0"/>
+          </a:p>
+          <a:p>
+            <a:endParaRPr lang="pt-BR" dirty="0" smtClean="0"/>
+          </a:p>
+          <a:p>
+            <a:r>
+              <a:rPr lang="pt-BR" dirty="0" smtClean="0"/>
+              <a:t>Casos </a:t>
+            </a:r>
+            <a:r>
+              <a:rPr lang="pt-BR" dirty="0"/>
+              <a:t>de </a:t>
+            </a:r>
+            <a:r>
+              <a:rPr lang="pt-BR" dirty="0" smtClean="0"/>
+              <a:t>Teste</a:t>
             </a:r>
             <a:endParaRPr lang="pt-BR" dirty="0"/>
           </a:p>
-        </p:txBody>
-      </p:sp>
-      <p:sp>
-        <p:nvSpPr>
-          <p:cNvPr id="3" name="Espaço Reservado para Conteúdo 2"/>
-          <p:cNvSpPr>
-            <a:spLocks noGrp="1"/>
-          </p:cNvSpPr>
-          <p:nvPr>
-            <p:ph sz="quarter" idx="13"/>
-          </p:nvPr>
-        </p:nvSpPr>
-        <p:spPr/>
-        <p:txBody>
-          <a:bodyPr/>
-          <a:lstStyle/>
-          <a:p>
-            <a:endParaRPr lang="pt-BR"/>
+          <a:p>
+            <a:pPr lvl="1"/>
+            <a:r>
+              <a:rPr lang="pt-BR" sz="1800" dirty="0"/>
+              <a:t>Validar cadastro de colaborador </a:t>
+            </a:r>
+          </a:p>
+          <a:p>
+            <a:pPr lvl="1"/>
+            <a:r>
+              <a:rPr lang="pt-BR" sz="1800" dirty="0" smtClean="0"/>
+              <a:t>Validar </a:t>
+            </a:r>
+            <a:r>
+              <a:rPr lang="pt-BR" sz="1800" dirty="0"/>
+              <a:t>se o CPF do colaborador é válido </a:t>
+            </a:r>
+          </a:p>
+          <a:p>
+            <a:pPr lvl="1"/>
+            <a:r>
+              <a:rPr lang="pt-BR" sz="1800" dirty="0" smtClean="0"/>
+              <a:t>Validar </a:t>
+            </a:r>
+            <a:r>
+              <a:rPr lang="pt-BR" sz="1800" dirty="0"/>
+              <a:t>acesso de colaborador liberado </a:t>
+            </a:r>
+          </a:p>
+          <a:p>
+            <a:pPr lvl="1"/>
+            <a:r>
+              <a:rPr lang="pt-BR" sz="1800" dirty="0" smtClean="0"/>
+              <a:t>Validar </a:t>
+            </a:r>
+            <a:r>
+              <a:rPr lang="pt-BR" sz="1800" dirty="0"/>
+              <a:t>acesso de colaborador não liberado 	</a:t>
+            </a:r>
+          </a:p>
+          <a:p>
+            <a:pPr lvl="1"/>
+            <a:endParaRPr lang="pt-BR" dirty="0"/>
+          </a:p>
+          <a:p>
+            <a:endParaRPr lang="pt-BR" dirty="0"/>
           </a:p>
         </p:txBody>
       </p:sp>
     </p:spTree>
     <p:extLst>
       <p:ext uri="{BB962C8B-B14F-4D97-AF65-F5344CB8AC3E}">
-        <p14:creationId xmlns:p14="http://schemas.microsoft.com/office/powerpoint/2010/main" val="2312443514"/>
+        <p14:creationId xmlns:p14="http://schemas.microsoft.com/office/powerpoint/2010/main" val="3396657728"/>
       </p:ext>
     </p:extLst>
   </p:cSld>
@@ -4472,8 +4765,12 @@
           <a:lstStyle/>
           <a:p>
             <a:r>
-              <a:rPr lang="pt-BR" dirty="0" smtClean="0"/>
-              <a:t>Tela de cadastro de acomodação</a:t>
+              <a:rPr lang="pt-BR" b="1" dirty="0"/>
+              <a:t>Cadastrar </a:t>
+            </a:r>
+            <a:r>
+              <a:rPr lang="pt-BR" b="1" dirty="0" smtClean="0"/>
+              <a:t>acomodação</a:t>
             </a:r>
             <a:endParaRPr lang="pt-BR" dirty="0"/>
           </a:p>
@@ -4491,17 +4788,124 @@
         </p:nvSpPr>
         <p:spPr/>
         <p:txBody>
-          <a:bodyPr/>
-          <a:lstStyle/>
-          <a:p>
-            <a:endParaRPr lang="pt-BR"/>
+          <a:bodyPr>
+            <a:normAutofit/>
+          </a:bodyPr>
+          <a:lstStyle/>
+          <a:p>
+            <a:r>
+              <a:rPr lang="pt-BR" dirty="0"/>
+              <a:t>Fluxo Principal 	</a:t>
+            </a:r>
+          </a:p>
+          <a:p>
+            <a:pPr lvl="1"/>
+            <a:r>
+              <a:rPr lang="pt-BR" sz="1800" dirty="0" smtClean="0"/>
+              <a:t>1. Colaborador </a:t>
+            </a:r>
+            <a:r>
+              <a:rPr lang="pt-BR" sz="1800" dirty="0"/>
+              <a:t>acessa o sistema </a:t>
+            </a:r>
+          </a:p>
+          <a:p>
+            <a:pPr lvl="1"/>
+            <a:r>
+              <a:rPr lang="pt-BR" sz="1800" dirty="0"/>
+              <a:t>2. Colaborador cadastra acomodação </a:t>
+            </a:r>
+          </a:p>
+          <a:p>
+            <a:pPr lvl="1"/>
+            <a:r>
+              <a:rPr lang="pt-BR" sz="1800" dirty="0"/>
+              <a:t>3. Sistema disponibiliza acomodação para </a:t>
+            </a:r>
+            <a:r>
+              <a:rPr lang="pt-BR" sz="1800" dirty="0" smtClean="0"/>
+              <a:t>consulta</a:t>
+            </a:r>
+          </a:p>
+          <a:p>
+            <a:r>
+              <a:rPr lang="pt-BR" sz="1800" dirty="0"/>
+              <a:t>Casos de </a:t>
+            </a:r>
+            <a:r>
+              <a:rPr lang="pt-BR" sz="1800" dirty="0" smtClean="0"/>
+              <a:t>Teste</a:t>
+            </a:r>
+          </a:p>
+          <a:p>
+            <a:pPr lvl="1"/>
+            <a:r>
+              <a:rPr lang="pt-BR" sz="1800" dirty="0"/>
+              <a:t>Validar cadastro de acomodação </a:t>
+            </a:r>
+          </a:p>
+          <a:p>
+            <a:pPr lvl="1"/>
+            <a:r>
+              <a:rPr lang="pt-BR" sz="1800" dirty="0" smtClean="0"/>
+              <a:t>Validar </a:t>
+            </a:r>
+            <a:r>
+              <a:rPr lang="pt-BR" sz="1800" dirty="0"/>
+              <a:t>alteração da acomodação </a:t>
+            </a:r>
+          </a:p>
+          <a:p>
+            <a:pPr lvl="1"/>
+            <a:r>
+              <a:rPr lang="pt-BR" sz="1800" dirty="0" smtClean="0"/>
+              <a:t>Validar </a:t>
+            </a:r>
+            <a:r>
+              <a:rPr lang="pt-BR" sz="1800" dirty="0"/>
+              <a:t>alteração do valor da diária </a:t>
+            </a:r>
+          </a:p>
+          <a:p>
+            <a:pPr lvl="1"/>
+            <a:r>
+              <a:rPr lang="pt-BR" sz="1800" dirty="0" smtClean="0"/>
+              <a:t>Validar </a:t>
+            </a:r>
+            <a:r>
+              <a:rPr lang="pt-BR" sz="1800" dirty="0"/>
+              <a:t>consulta de informações sobre reservas </a:t>
+            </a:r>
+          </a:p>
+          <a:p>
+            <a:pPr lvl="1"/>
+            <a:r>
+              <a:rPr lang="pt-BR" sz="1800" dirty="0" smtClean="0"/>
+              <a:t>Validar </a:t>
+            </a:r>
+            <a:r>
+              <a:rPr lang="pt-BR" sz="1800" dirty="0"/>
+              <a:t>disponibilização de acomodação, conforme </a:t>
+            </a:r>
+            <a:r>
+              <a:rPr lang="pt-BR" sz="1800" dirty="0" smtClean="0"/>
+              <a:t>período</a:t>
+            </a:r>
+            <a:r>
+              <a:rPr lang="pt-BR" sz="1800" dirty="0"/>
+              <a:t>	</a:t>
+            </a:r>
+          </a:p>
+          <a:p>
+            <a:pPr lvl="1"/>
+            <a:endParaRPr lang="pt-BR" dirty="0"/>
           </a:p>
         </p:txBody>
       </p:sp>
     </p:spTree>
     <p:extLst>
       <p:ext uri="{BB962C8B-B14F-4D97-AF65-F5344CB8AC3E}">
-        <p14:creationId xmlns:p14="http://schemas.microsoft.com/office/powerpoint/2010/main" val="1919952195"/>
+        <p14:creationId xmlns:p14="http://schemas.microsoft.com/office/powerpoint/2010/main" val="1628373880"/>
       </p:ext>
     </p:extLst>
   </p:cSld>
@@ -4545,55 +4949,70 @@
             <p:ph type="title"/>
           </p:nvPr>
         </p:nvSpPr>
-        <p:spPr/>
+        <p:spPr>
+          <a:xfrm>
+            <a:off x="2409800" y="202630"/>
+            <a:ext cx="4322440" cy="634082"/>
+          </a:xfrm>
+        </p:spPr>
         <p:txBody>
           <a:bodyPr/>
           <a:lstStyle/>
           <a:p>
             <a:r>
               <a:rPr lang="pt-BR" dirty="0" smtClean="0"/>
-              <a:t>Demonstração do sistema</a:t>
+              <a:t>Diagrama de robustez</a:t>
             </a:r>
             <a:endParaRPr lang="pt-BR" dirty="0"/>
           </a:p>
         </p:txBody>
       </p:sp>
-      <p:sp>
-        <p:nvSpPr>
-          <p:cNvPr id="3" name="Espaço Reservado para Conteúdo 2"/>
-          <p:cNvSpPr>
-            <a:spLocks noGrp="1"/>
-          </p:cNvSpPr>
+      <p:pic>
+        <p:nvPicPr>
+          <p:cNvPr id="4" name="Espaço Reservado para Conteúdo 3"/>
+          <p:cNvPicPr>
+            <a:picLocks noGrp="1"/>
+          </p:cNvPicPr>
           <p:nvPr>
             <p:ph sz="quarter" idx="13"/>
           </p:nvPr>
-        </p:nvSpPr>
-        <p:spPr/>
-        <p:txBody>
-          <a:bodyPr/>
-          <a:lstStyle/>
-          <a:p>
-            <a:endParaRPr lang="pt-BR" dirty="0"/>
-          </a:p>
-        </p:txBody>
-      </p:sp>
+        </p:nvPicPr>
+        <p:blipFill>
+          <a:blip r:embed="rId2" cstate="print"/>
+          <a:srcRect/>
+          <a:stretch>
+            <a:fillRect/>
+          </a:stretch>
+        </p:blipFill>
+        <p:spPr bwMode="auto">
+          <a:xfrm>
+            <a:off x="755576" y="980728"/>
+            <a:ext cx="7416823" cy="5616624"/>
+          </a:xfrm>
+          <a:prstGeom prst="rect">
+            <a:avLst/>
+          </a:prstGeom>
+          <a:solidFill>
+            <a:srgbClr val="FFFFFF"/>
+          </a:solidFill>
+          <a:ln w="9525">
+            <a:noFill/>
+            <a:miter lim="800000"/>
+            <a:headEnd/>
+            <a:tailEnd/>
+          </a:ln>
+        </p:spPr>
+      </p:pic>
     </p:spTree>
     <p:extLst>
       <p:ext uri="{BB962C8B-B14F-4D97-AF65-F5344CB8AC3E}">
-        <p14:creationId xmlns:p14="http://schemas.microsoft.com/office/powerpoint/2010/main" val="3337146635"/>
+        <p14:creationId xmlns:p14="http://schemas.microsoft.com/office/powerpoint/2010/main" val="4144843568"/>
       </p:ext>
     </p:extLst>
   </p:cSld>
   <p:clrMapOvr>
     <a:masterClrMapping/>
   </p:clrMapOvr>
-  <p:timing>
-    <p:tnLst>
-      <p:par>
-        <p:cTn id="1" dur="indefinite" restart="never" nodeType="tmRoot"/>
-      </p:par>
-    </p:tnLst>
-  </p:timing>
 </p:sld>
 </file>
 

--- a/Documentos/ApresentaçãoCiclo1.pptx
+++ b/Documentos/ApresentaçãoCiclo1.pptx
@@ -14,10 +14,12 @@
     <p:sldId id="270" r:id="rId8"/>
     <p:sldId id="271" r:id="rId9"/>
     <p:sldId id="277" r:id="rId10"/>
-    <p:sldId id="275" r:id="rId11"/>
-    <p:sldId id="273" r:id="rId12"/>
-    <p:sldId id="274" r:id="rId13"/>
-    <p:sldId id="276" r:id="rId14"/>
+    <p:sldId id="278" r:id="rId11"/>
+    <p:sldId id="279" r:id="rId12"/>
+    <p:sldId id="280" r:id="rId13"/>
+    <p:sldId id="275" r:id="rId14"/>
+    <p:sldId id="273" r:id="rId15"/>
+    <p:sldId id="274" r:id="rId16"/>
   </p:sldIdLst>
   <p:sldSz cx="9144000" cy="6858000" type="screen4x3"/>
   <p:notesSz cx="6858000" cy="9144000"/>
@@ -178,7 +180,7 @@
           <a:p>
             <a:fld id="{10252D04-3DDF-4989-8ED7-4FE6A00B6A19}" type="datetimeFigureOut">
               <a:rPr lang="pt-BR" smtClean="0"/>
-              <a:t>09/10/2012</a:t>
+              <a:t>16/10/2012</a:t>
             </a:fld>
             <a:endParaRPr lang="pt-BR"/>
           </a:p>
@@ -494,7 +496,7 @@
           <a:p>
             <a:fld id="{10252D04-3DDF-4989-8ED7-4FE6A00B6A19}" type="datetimeFigureOut">
               <a:rPr lang="pt-BR" smtClean="0"/>
-              <a:t>09/10/2012</a:t>
+              <a:t>16/10/2012</a:t>
             </a:fld>
             <a:endParaRPr lang="pt-BR"/>
           </a:p>
@@ -669,7 +671,7 @@
           <a:p>
             <a:fld id="{10252D04-3DDF-4989-8ED7-4FE6A00B6A19}" type="datetimeFigureOut">
               <a:rPr lang="pt-BR" smtClean="0"/>
-              <a:t>09/10/2012</a:t>
+              <a:t>16/10/2012</a:t>
             </a:fld>
             <a:endParaRPr lang="pt-BR"/>
           </a:p>
@@ -787,7 +789,7 @@
           <a:p>
             <a:fld id="{10252D04-3DDF-4989-8ED7-4FE6A00B6A19}" type="datetimeFigureOut">
               <a:rPr lang="pt-BR" smtClean="0"/>
-              <a:t>09/10/2012</a:t>
+              <a:t>16/10/2012</a:t>
             </a:fld>
             <a:endParaRPr lang="pt-BR"/>
           </a:p>
@@ -1085,7 +1087,7 @@
           <a:p>
             <a:fld id="{10252D04-3DDF-4989-8ED7-4FE6A00B6A19}" type="datetimeFigureOut">
               <a:rPr lang="pt-BR" smtClean="0"/>
-              <a:t>09/10/2012</a:t>
+              <a:t>16/10/2012</a:t>
             </a:fld>
             <a:endParaRPr lang="pt-BR"/>
           </a:p>
@@ -1378,7 +1380,7 @@
           <a:p>
             <a:fld id="{10252D04-3DDF-4989-8ED7-4FE6A00B6A19}" type="datetimeFigureOut">
               <a:rPr lang="pt-BR" smtClean="0"/>
-              <a:t>09/10/2012</a:t>
+              <a:t>16/10/2012</a:t>
             </a:fld>
             <a:endParaRPr lang="pt-BR"/>
           </a:p>
@@ -1806,7 +1808,7 @@
           <a:p>
             <a:fld id="{10252D04-3DDF-4989-8ED7-4FE6A00B6A19}" type="datetimeFigureOut">
               <a:rPr lang="pt-BR" smtClean="0"/>
-              <a:t>09/10/2012</a:t>
+              <a:t>16/10/2012</a:t>
             </a:fld>
             <a:endParaRPr lang="pt-BR"/>
           </a:p>
@@ -1924,7 +1926,7 @@
           <a:p>
             <a:fld id="{10252D04-3DDF-4989-8ED7-4FE6A00B6A19}" type="datetimeFigureOut">
               <a:rPr lang="pt-BR" smtClean="0"/>
-              <a:t>09/10/2012</a:t>
+              <a:t>16/10/2012</a:t>
             </a:fld>
             <a:endParaRPr lang="pt-BR"/>
           </a:p>
@@ -2014,7 +2016,7 @@
           <a:p>
             <a:fld id="{10252D04-3DDF-4989-8ED7-4FE6A00B6A19}" type="datetimeFigureOut">
               <a:rPr lang="pt-BR" smtClean="0"/>
-              <a:t>09/10/2012</a:t>
+              <a:t>16/10/2012</a:t>
             </a:fld>
             <a:endParaRPr lang="pt-BR"/>
           </a:p>
@@ -2264,7 +2266,7 @@
           <a:p>
             <a:fld id="{10252D04-3DDF-4989-8ED7-4FE6A00B6A19}" type="datetimeFigureOut">
               <a:rPr lang="pt-BR" smtClean="0"/>
-              <a:t>09/10/2012</a:t>
+              <a:t>16/10/2012</a:t>
             </a:fld>
             <a:endParaRPr lang="pt-BR"/>
           </a:p>
@@ -2780,7 +2782,7 @@
           <a:p>
             <a:fld id="{10252D04-3DDF-4989-8ED7-4FE6A00B6A19}" type="datetimeFigureOut">
               <a:rPr lang="pt-BR" smtClean="0"/>
-              <a:t>09/10/2012</a:t>
+              <a:t>16/10/2012</a:t>
             </a:fld>
             <a:endParaRPr lang="pt-BR"/>
           </a:p>
@@ -3010,7 +3012,7 @@
           <a:p>
             <a:fld id="{10252D04-3DDF-4989-8ED7-4FE6A00B6A19}" type="datetimeFigureOut">
               <a:rPr lang="pt-BR" smtClean="0"/>
-              <a:t>09/10/2012</a:t>
+              <a:t>16/10/2012</a:t>
             </a:fld>
             <a:endParaRPr lang="pt-BR"/>
           </a:p>
@@ -3541,8 +3543,12 @@
           <a:p>
             <a:pPr algn="l"/>
             <a:r>
+              <a:rPr lang="pt-BR" dirty="0" smtClean="0"/>
+              <a:t>Coordenador</a:t>
+            </a:r>
+            <a:r>
               <a:rPr lang="pt-BR" dirty="0"/>
-              <a:t> Coordenador: Glauber </a:t>
+              <a:t>: Glauber </a:t>
             </a:r>
             <a:r>
               <a:rPr lang="pt-BR" dirty="0" err="1"/>
@@ -3728,6 +3734,262 @@
         <p:spPr>
           <a:xfrm>
             <a:off x="609600" y="274638"/>
+            <a:ext cx="7924800" cy="634082"/>
+          </a:xfrm>
+        </p:spPr>
+        <p:txBody>
+          <a:bodyPr/>
+          <a:lstStyle/>
+          <a:p>
+            <a:pPr algn="ctr"/>
+            <a:r>
+              <a:rPr lang="pt-BR" dirty="0" smtClean="0"/>
+              <a:t>Diagrama de classes de sistema</a:t>
+            </a:r>
+            <a:endParaRPr lang="pt-BR" dirty="0"/>
+          </a:p>
+        </p:txBody>
+      </p:sp>
+      <p:pic>
+        <p:nvPicPr>
+          <p:cNvPr id="4" name="Espaço Reservado para Conteúdo 3"/>
+          <p:cNvPicPr>
+            <a:picLocks noGrp="1"/>
+          </p:cNvPicPr>
+          <p:nvPr>
+            <p:ph sz="quarter" idx="13"/>
+          </p:nvPr>
+        </p:nvPicPr>
+        <p:blipFill>
+          <a:blip r:embed="rId2" cstate="print"/>
+          <a:stretch>
+            <a:fillRect/>
+          </a:stretch>
+        </p:blipFill>
+        <p:spPr>
+          <a:xfrm>
+            <a:off x="683568" y="1600200"/>
+            <a:ext cx="7776863" cy="4853136"/>
+          </a:xfrm>
+          <a:prstGeom prst="rect">
+            <a:avLst/>
+          </a:prstGeom>
+        </p:spPr>
+      </p:pic>
+    </p:spTree>
+    <p:extLst>
+      <p:ext uri="{BB962C8B-B14F-4D97-AF65-F5344CB8AC3E}">
+        <p14:creationId xmlns:p14="http://schemas.microsoft.com/office/powerpoint/2010/main" val="470974533"/>
+      </p:ext>
+    </p:extLst>
+  </p:cSld>
+  <p:clrMapOvr>
+    <a:masterClrMapping/>
+  </p:clrMapOvr>
+</p:sld>
+</file>
+
+<file path=ppt/slides/slide11.xml><?xml version="1.0" encoding="utf-8"?>
+<p:sld xmlns:a="http://schemas.openxmlformats.org/drawingml/2006/main" xmlns:r="http://schemas.openxmlformats.org/officeDocument/2006/relationships" xmlns:p="http://schemas.openxmlformats.org/presentationml/2006/main">
+  <p:cSld>
+    <p:spTree>
+      <p:nvGrpSpPr>
+        <p:cNvPr id="1" name=""/>
+        <p:cNvGrpSpPr/>
+        <p:nvPr/>
+      </p:nvGrpSpPr>
+      <p:grpSpPr>
+        <a:xfrm>
+          <a:off x="0" y="0"/>
+          <a:ext cx="0" cy="0"/>
+          <a:chOff x="0" y="0"/>
+          <a:chExt cx="0" cy="0"/>
+        </a:xfrm>
+      </p:grpSpPr>
+      <p:sp>
+        <p:nvSpPr>
+          <p:cNvPr id="2" name="Título 1"/>
+          <p:cNvSpPr>
+            <a:spLocks noGrp="1"/>
+          </p:cNvSpPr>
+          <p:nvPr>
+            <p:ph type="title"/>
+          </p:nvPr>
+        </p:nvSpPr>
+        <p:spPr/>
+        <p:txBody>
+          <a:bodyPr/>
+          <a:lstStyle/>
+          <a:p>
+            <a:pPr algn="ctr"/>
+            <a:r>
+              <a:rPr lang="pt-BR" dirty="0" smtClean="0"/>
+              <a:t>Diagrama de classe de projeto: Acomodação</a:t>
+            </a:r>
+            <a:endParaRPr lang="pt-BR" dirty="0"/>
+          </a:p>
+        </p:txBody>
+      </p:sp>
+      <p:pic>
+        <p:nvPicPr>
+          <p:cNvPr id="4" name="Espaço Reservado para Conteúdo 3"/>
+          <p:cNvPicPr>
+            <a:picLocks noGrp="1"/>
+          </p:cNvPicPr>
+          <p:nvPr>
+            <p:ph sz="quarter" idx="13"/>
+          </p:nvPr>
+        </p:nvPicPr>
+        <p:blipFill>
+          <a:blip r:embed="rId2" cstate="print"/>
+          <a:stretch>
+            <a:fillRect/>
+          </a:stretch>
+        </p:blipFill>
+        <p:spPr>
+          <a:xfrm>
+            <a:off x="539552" y="1600200"/>
+            <a:ext cx="7920000" cy="5040000"/>
+          </a:xfrm>
+          <a:prstGeom prst="rect">
+            <a:avLst/>
+          </a:prstGeom>
+        </p:spPr>
+      </p:pic>
+    </p:spTree>
+    <p:extLst>
+      <p:ext uri="{BB962C8B-B14F-4D97-AF65-F5344CB8AC3E}">
+        <p14:creationId xmlns:p14="http://schemas.microsoft.com/office/powerpoint/2010/main" val="4080518313"/>
+      </p:ext>
+    </p:extLst>
+  </p:cSld>
+  <p:clrMapOvr>
+    <a:masterClrMapping/>
+  </p:clrMapOvr>
+</p:sld>
+</file>
+
+<file path=ppt/slides/slide12.xml><?xml version="1.0" encoding="utf-8"?>
+<p:sld xmlns:a="http://schemas.openxmlformats.org/drawingml/2006/main" xmlns:r="http://schemas.openxmlformats.org/officeDocument/2006/relationships" xmlns:p="http://schemas.openxmlformats.org/presentationml/2006/main">
+  <p:cSld>
+    <p:spTree>
+      <p:nvGrpSpPr>
+        <p:cNvPr id="1" name=""/>
+        <p:cNvGrpSpPr/>
+        <p:nvPr/>
+      </p:nvGrpSpPr>
+      <p:grpSpPr>
+        <a:xfrm>
+          <a:off x="0" y="0"/>
+          <a:ext cx="0" cy="0"/>
+          <a:chOff x="0" y="0"/>
+          <a:chExt cx="0" cy="0"/>
+        </a:xfrm>
+      </p:grpSpPr>
+      <p:sp>
+        <p:nvSpPr>
+          <p:cNvPr id="2" name="Título 1"/>
+          <p:cNvSpPr>
+            <a:spLocks noGrp="1"/>
+          </p:cNvSpPr>
+          <p:nvPr>
+            <p:ph type="title"/>
+          </p:nvPr>
+        </p:nvSpPr>
+        <p:spPr/>
+        <p:txBody>
+          <a:bodyPr/>
+          <a:lstStyle/>
+          <a:p>
+            <a:pPr algn="ctr"/>
+            <a:r>
+              <a:rPr lang="pt-BR" dirty="0"/>
+              <a:t>Diagrama de classe de projeto</a:t>
+            </a:r>
+            <a:r>
+              <a:rPr lang="pt-BR" dirty="0" smtClean="0"/>
+              <a:t>:</a:t>
+            </a:r>
+            <a:br>
+              <a:rPr lang="pt-BR" dirty="0" smtClean="0"/>
+            </a:br>
+            <a:r>
+              <a:rPr lang="pt-BR" dirty="0" smtClean="0"/>
+              <a:t>Colaborador</a:t>
+            </a:r>
+            <a:endParaRPr lang="pt-BR" dirty="0"/>
+          </a:p>
+        </p:txBody>
+      </p:sp>
+      <p:pic>
+        <p:nvPicPr>
+          <p:cNvPr id="4" name="Espaço Reservado para Conteúdo 3"/>
+          <p:cNvPicPr>
+            <a:picLocks noGrp="1"/>
+          </p:cNvPicPr>
+          <p:nvPr>
+            <p:ph sz="quarter" idx="13"/>
+          </p:nvPr>
+        </p:nvPicPr>
+        <p:blipFill>
+          <a:blip r:embed="rId2" cstate="print"/>
+          <a:stretch>
+            <a:fillRect/>
+          </a:stretch>
+        </p:blipFill>
+        <p:spPr>
+          <a:xfrm>
+            <a:off x="539552" y="1600200"/>
+            <a:ext cx="7920000" cy="5040000"/>
+          </a:xfrm>
+          <a:prstGeom prst="rect">
+            <a:avLst/>
+          </a:prstGeom>
+        </p:spPr>
+      </p:pic>
+    </p:spTree>
+    <p:extLst>
+      <p:ext uri="{BB962C8B-B14F-4D97-AF65-F5344CB8AC3E}">
+        <p14:creationId xmlns:p14="http://schemas.microsoft.com/office/powerpoint/2010/main" val="4255180087"/>
+      </p:ext>
+    </p:extLst>
+  </p:cSld>
+  <p:clrMapOvr>
+    <a:masterClrMapping/>
+  </p:clrMapOvr>
+</p:sld>
+</file>
+
+<file path=ppt/slides/slide13.xml><?xml version="1.0" encoding="utf-8"?>
+<p:sld xmlns:a="http://schemas.openxmlformats.org/drawingml/2006/main" xmlns:r="http://schemas.openxmlformats.org/officeDocument/2006/relationships" xmlns:p="http://schemas.openxmlformats.org/presentationml/2006/main">
+  <p:cSld>
+    <p:spTree>
+      <p:nvGrpSpPr>
+        <p:cNvPr id="1" name=""/>
+        <p:cNvGrpSpPr/>
+        <p:nvPr/>
+      </p:nvGrpSpPr>
+      <p:grpSpPr>
+        <a:xfrm>
+          <a:off x="0" y="0"/>
+          <a:ext cx="0" cy="0"/>
+          <a:chOff x="0" y="0"/>
+          <a:chExt cx="0" cy="0"/>
+        </a:xfrm>
+      </p:grpSpPr>
+      <p:sp>
+        <p:nvSpPr>
+          <p:cNvPr id="2" name="Título 1"/>
+          <p:cNvSpPr>
+            <a:spLocks noGrp="1"/>
+          </p:cNvSpPr>
+          <p:nvPr>
+            <p:ph type="title"/>
+          </p:nvPr>
+        </p:nvSpPr>
+        <p:spPr>
+          <a:xfrm>
+            <a:off x="609600" y="274638"/>
             <a:ext cx="7924800" cy="562074"/>
           </a:xfrm>
         </p:spPr>
@@ -3793,7 +4055,7 @@
 </p:sld>
 </file>
 
-<file path=ppt/slides/slide11.xml><?xml version="1.0" encoding="utf-8"?>
+<file path=ppt/slides/slide14.xml><?xml version="1.0" encoding="utf-8"?>
 <p:sld xmlns:a="http://schemas.openxmlformats.org/drawingml/2006/main" xmlns:r="http://schemas.openxmlformats.org/officeDocument/2006/relationships" xmlns:p="http://schemas.openxmlformats.org/presentationml/2006/main">
   <p:cSld>
     <p:spTree>
@@ -3887,7 +4149,7 @@
 </p:sld>
 </file>
 
-<file path=ppt/slides/slide12.xml><?xml version="1.0" encoding="utf-8"?>
+<file path=ppt/slides/slide15.xml><?xml version="1.0" encoding="utf-8"?>
 <p:sld xmlns:a="http://schemas.openxmlformats.org/drawingml/2006/main" xmlns:r="http://schemas.openxmlformats.org/officeDocument/2006/relationships" xmlns:p="http://schemas.openxmlformats.org/presentationml/2006/main">
   <p:cSld>
     <p:spTree>
@@ -3916,17 +4178,22 @@
         </p:nvSpPr>
         <p:spPr>
           <a:xfrm>
-            <a:off x="2913856" y="274638"/>
-            <a:ext cx="3602360" cy="634082"/>
+            <a:off x="611560" y="274638"/>
+            <a:ext cx="7344816" cy="562074"/>
           </a:xfrm>
         </p:spPr>
         <p:txBody>
           <a:bodyPr/>
           <a:lstStyle/>
           <a:p>
+            <a:pPr algn="ctr"/>
             <a:r>
               <a:rPr lang="pt-BR" dirty="0" smtClean="0"/>
-              <a:t>Tela de liberação</a:t>
+              <a:t>Tela de </a:t>
+            </a:r>
+            <a:r>
+              <a:rPr lang="pt-BR" dirty="0" smtClean="0"/>
+              <a:t>liberação de Colaborador</a:t>
             </a:r>
             <a:endParaRPr lang="pt-BR" dirty="0"/>
           </a:p>
@@ -3955,85 +4222,6 @@
     <p:extLst>
       <p:ext uri="{BB962C8B-B14F-4D97-AF65-F5344CB8AC3E}">
         <p14:creationId xmlns:p14="http://schemas.microsoft.com/office/powerpoint/2010/main" val="1600424885"/>
-      </p:ext>
-    </p:extLst>
-  </p:cSld>
-  <p:clrMapOvr>
-    <a:masterClrMapping/>
-  </p:clrMapOvr>
-  <p:timing>
-    <p:tnLst>
-      <p:par>
-        <p:cTn id="1" dur="indefinite" restart="never" nodeType="tmRoot"/>
-      </p:par>
-    </p:tnLst>
-  </p:timing>
-</p:sld>
-</file>
-
-<file path=ppt/slides/slide13.xml><?xml version="1.0" encoding="utf-8"?>
-<p:sld xmlns:a="http://schemas.openxmlformats.org/drawingml/2006/main" xmlns:r="http://schemas.openxmlformats.org/officeDocument/2006/relationships" xmlns:p="http://schemas.openxmlformats.org/presentationml/2006/main">
-  <p:cSld>
-    <p:spTree>
-      <p:nvGrpSpPr>
-        <p:cNvPr id="1" name=""/>
-        <p:cNvGrpSpPr/>
-        <p:nvPr/>
-      </p:nvGrpSpPr>
-      <p:grpSpPr>
-        <a:xfrm>
-          <a:off x="0" y="0"/>
-          <a:ext cx="0" cy="0"/>
-          <a:chOff x="0" y="0"/>
-          <a:chExt cx="0" cy="0"/>
-        </a:xfrm>
-      </p:grpSpPr>
-      <p:sp>
-        <p:nvSpPr>
-          <p:cNvPr id="2" name="Título 1"/>
-          <p:cNvSpPr>
-            <a:spLocks noGrp="1"/>
-          </p:cNvSpPr>
-          <p:nvPr>
-            <p:ph type="title"/>
-          </p:nvPr>
-        </p:nvSpPr>
-        <p:spPr/>
-        <p:txBody>
-          <a:bodyPr/>
-          <a:lstStyle/>
-          <a:p>
-            <a:r>
-              <a:rPr lang="pt-BR" dirty="0" smtClean="0"/>
-              <a:t>Demonstração do sistema</a:t>
-            </a:r>
-            <a:endParaRPr lang="pt-BR" dirty="0"/>
-          </a:p>
-        </p:txBody>
-      </p:sp>
-      <p:sp>
-        <p:nvSpPr>
-          <p:cNvPr id="3" name="Espaço Reservado para Conteúdo 2"/>
-          <p:cNvSpPr>
-            <a:spLocks noGrp="1"/>
-          </p:cNvSpPr>
-          <p:nvPr>
-            <p:ph sz="quarter" idx="13"/>
-          </p:nvPr>
-        </p:nvSpPr>
-        <p:spPr/>
-        <p:txBody>
-          <a:bodyPr/>
-          <a:lstStyle/>
-          <a:p>
-            <a:endParaRPr lang="pt-BR" dirty="0"/>
-          </a:p>
-        </p:txBody>
-      </p:sp>
-    </p:spTree>
-    <p:extLst>
-      <p:ext uri="{BB962C8B-B14F-4D97-AF65-F5344CB8AC3E}">
-        <p14:creationId xmlns:p14="http://schemas.microsoft.com/office/powerpoint/2010/main" val="55818227"/>
       </p:ext>
     </p:extLst>
   </p:cSld>

--- a/Documentos/ApresentaçãoCiclo1.pptx
+++ b/Documentos/ApresentaçãoCiclo1.pptx
@@ -6,8 +6,8 @@
   </p:sldMasterIdLst>
   <p:sldIdLst>
     <p:sldId id="256" r:id="rId2"/>
-    <p:sldId id="265" r:id="rId3"/>
-    <p:sldId id="266" r:id="rId4"/>
+    <p:sldId id="266" r:id="rId3"/>
+    <p:sldId id="265" r:id="rId4"/>
     <p:sldId id="267" r:id="rId5"/>
     <p:sldId id="268" r:id="rId6"/>
     <p:sldId id="269" r:id="rId7"/>
@@ -3832,28 +3832,68 @@
       </p:sp>
       <p:pic>
         <p:nvPicPr>
-          <p:cNvPr id="4" name="Espaço Reservado para Conteúdo 3"/>
+          <p:cNvPr id="1026" name="Picture 2"/>
           <p:cNvPicPr>
-            <a:picLocks noGrp="1"/>
+            <a:picLocks noGrp="1" noChangeAspect="1" noChangeArrowheads="1"/>
           </p:cNvPicPr>
           <p:nvPr>
             <p:ph sz="quarter" idx="13"/>
           </p:nvPr>
         </p:nvPicPr>
         <p:blipFill>
-          <a:blip r:embed="rId2" cstate="print"/>
+          <a:blip r:embed="rId2">
+            <a:extLst>
+              <a:ext uri="{28A0092B-C50C-407E-A947-70E740481C1C}">
+                <a14:useLocalDpi xmlns:a14="http://schemas.microsoft.com/office/drawing/2010/main" val="0"/>
+              </a:ext>
+            </a:extLst>
+          </a:blip>
+          <a:srcRect/>
           <a:stretch>
             <a:fillRect/>
           </a:stretch>
         </p:blipFill>
-        <p:spPr>
+        <p:spPr bwMode="auto">
           <a:xfrm>
-            <a:off x="539552" y="1600200"/>
-            <a:ext cx="7920000" cy="5040000"/>
+            <a:off x="611559" y="1484784"/>
+            <a:ext cx="7920000" cy="5136462"/>
           </a:xfrm>
           <a:prstGeom prst="rect">
             <a:avLst/>
           </a:prstGeom>
+          <a:noFill/>
+          <a:ln>
+            <a:noFill/>
+          </a:ln>
+          <a:effectLst/>
+          <a:extLst>
+            <a:ext uri="{909E8E84-426E-40DD-AFC4-6F175D3DCCD1}">
+              <a14:hiddenFill xmlns:a14="http://schemas.microsoft.com/office/drawing/2010/main">
+                <a:solidFill>
+                  <a:schemeClr val="accent1"/>
+                </a:solidFill>
+              </a14:hiddenFill>
+            </a:ext>
+            <a:ext uri="{91240B29-F687-4F45-9708-019B960494DF}">
+              <a14:hiddenLine xmlns:a14="http://schemas.microsoft.com/office/drawing/2010/main" w="9525">
+                <a:solidFill>
+                  <a:schemeClr val="tx1"/>
+                </a:solidFill>
+                <a:miter lim="800000"/>
+                <a:headEnd/>
+                <a:tailEnd/>
+              </a14:hiddenLine>
+            </a:ext>
+            <a:ext uri="{AF507438-7753-43E0-B8FC-AC1667EBCBE1}">
+              <a14:hiddenEffects xmlns:a14="http://schemas.microsoft.com/office/drawing/2010/main">
+                <a:effectLst>
+                  <a:outerShdw dist="35921" dir="2700000" algn="ctr" rotWithShape="0">
+                    <a:schemeClr val="bg2"/>
+                  </a:outerShdw>
+                </a:effectLst>
+              </a14:hiddenEffects>
+            </a:ext>
+          </a:extLst>
         </p:spPr>
       </p:pic>
     </p:spTree>
@@ -4189,11 +4229,7 @@
             <a:pPr algn="ctr"/>
             <a:r>
               <a:rPr lang="pt-BR" dirty="0" smtClean="0"/>
-              <a:t>Tela de </a:t>
-            </a:r>
-            <a:r>
-              <a:rPr lang="pt-BR" dirty="0" smtClean="0"/>
-              <a:t>liberação de Colaborador</a:t>
+              <a:t>Tela de liberação de Colaborador</a:t>
             </a:r>
             <a:endParaRPr lang="pt-BR" dirty="0"/>
           </a:p>
@@ -4239,6 +4275,113 @@
 </file>
 
 <file path=ppt/slides/slide2.xml><?xml version="1.0" encoding="utf-8"?>
+<p:sld xmlns:a="http://schemas.openxmlformats.org/drawingml/2006/main" xmlns:r="http://schemas.openxmlformats.org/officeDocument/2006/relationships" xmlns:p="http://schemas.openxmlformats.org/presentationml/2006/main">
+  <p:cSld>
+    <p:spTree>
+      <p:nvGrpSpPr>
+        <p:cNvPr id="1" name=""/>
+        <p:cNvGrpSpPr/>
+        <p:nvPr/>
+      </p:nvGrpSpPr>
+      <p:grpSpPr>
+        <a:xfrm>
+          <a:off x="0" y="0"/>
+          <a:ext cx="0" cy="0"/>
+          <a:chOff x="0" y="0"/>
+          <a:chExt cx="0" cy="0"/>
+        </a:xfrm>
+      </p:grpSpPr>
+      <p:sp>
+        <p:nvSpPr>
+          <p:cNvPr id="2" name="Título 1"/>
+          <p:cNvSpPr>
+            <a:spLocks noGrp="1"/>
+          </p:cNvSpPr>
+          <p:nvPr>
+            <p:ph type="title"/>
+          </p:nvPr>
+        </p:nvSpPr>
+        <p:spPr/>
+        <p:txBody>
+          <a:bodyPr/>
+          <a:lstStyle/>
+          <a:p>
+            <a:pPr algn="ctr"/>
+            <a:r>
+              <a:rPr lang="pt-BR" dirty="0"/>
+              <a:t>Projeto: </a:t>
+            </a:r>
+            <a:r>
+              <a:rPr lang="pt-BR" b="1" dirty="0" err="1"/>
+              <a:t>Cooptel</a:t>
+            </a:r>
+            <a:r>
+              <a:rPr lang="pt-BR" b="1" dirty="0"/>
+              <a:t> - Cooperativa de </a:t>
+            </a:r>
+            <a:r>
+              <a:rPr lang="pt-BR" b="1" dirty="0" smtClean="0"/>
+              <a:t>Hospedagem</a:t>
+            </a:r>
+            <a:endParaRPr lang="pt-BR" dirty="0"/>
+          </a:p>
+        </p:txBody>
+      </p:sp>
+      <p:sp>
+        <p:nvSpPr>
+          <p:cNvPr id="3" name="Espaço Reservado para Conteúdo 2"/>
+          <p:cNvSpPr>
+            <a:spLocks noGrp="1"/>
+          </p:cNvSpPr>
+          <p:nvPr>
+            <p:ph sz="quarter" idx="13"/>
+          </p:nvPr>
+        </p:nvSpPr>
+        <p:spPr/>
+        <p:txBody>
+          <a:bodyPr/>
+          <a:lstStyle/>
+          <a:p>
+            <a:r>
+              <a:rPr lang="pt-BR" sz="2400" dirty="0"/>
+              <a:t>A </a:t>
+            </a:r>
+            <a:r>
+              <a:rPr lang="pt-BR" sz="2400" dirty="0" err="1"/>
+              <a:t>Cooptel</a:t>
+            </a:r>
+            <a:r>
+              <a:rPr lang="pt-BR" sz="2400" dirty="0"/>
+              <a:t> é uma cooperativa de hospedagem para visitantes da copa do mundo e de outros eventos que devem ocorrer no país. O Sistema </a:t>
+            </a:r>
+            <a:r>
+              <a:rPr lang="pt-BR" sz="2400" dirty="0" err="1"/>
+              <a:t>Cooptel</a:t>
+            </a:r>
+            <a:r>
+              <a:rPr lang="pt-BR" sz="2400" dirty="0"/>
+              <a:t> deve contar com uma rede de colaboradores que disponibilizam acomodações para visitantes. As acomodações são classificadas e ofertadas segundo uma padronização definida pela administração do sistema. O visitante, então, pode pesquisar as acomodações oferecidas conforme suas necessidades e, através do sistema, efetuar a reserva.</a:t>
+            </a:r>
+          </a:p>
+          <a:p>
+            <a:endParaRPr lang="pt-BR" dirty="0"/>
+          </a:p>
+        </p:txBody>
+      </p:sp>
+    </p:spTree>
+    <p:extLst>
+      <p:ext uri="{BB962C8B-B14F-4D97-AF65-F5344CB8AC3E}">
+        <p14:creationId xmlns:p14="http://schemas.microsoft.com/office/powerpoint/2010/main" val="2556782960"/>
+      </p:ext>
+    </p:extLst>
+  </p:cSld>
+  <p:clrMapOvr>
+    <a:masterClrMapping/>
+  </p:clrMapOvr>
+</p:sld>
+</file>
+
+<file path=ppt/slides/slide3.xml><?xml version="1.0" encoding="utf-8"?>
 <p:sld xmlns:a="http://schemas.openxmlformats.org/drawingml/2006/main" xmlns:r="http://schemas.openxmlformats.org/officeDocument/2006/relationships" xmlns:p="http://schemas.openxmlformats.org/presentationml/2006/main">
   <p:cSld>
     <p:spTree>
@@ -4365,113 +4508,6 @@
       </p:par>
     </p:tnLst>
   </p:timing>
-</p:sld>
-</file>
-
-<file path=ppt/slides/slide3.xml><?xml version="1.0" encoding="utf-8"?>
-<p:sld xmlns:a="http://schemas.openxmlformats.org/drawingml/2006/main" xmlns:r="http://schemas.openxmlformats.org/officeDocument/2006/relationships" xmlns:p="http://schemas.openxmlformats.org/presentationml/2006/main">
-  <p:cSld>
-    <p:spTree>
-      <p:nvGrpSpPr>
-        <p:cNvPr id="1" name=""/>
-        <p:cNvGrpSpPr/>
-        <p:nvPr/>
-      </p:nvGrpSpPr>
-      <p:grpSpPr>
-        <a:xfrm>
-          <a:off x="0" y="0"/>
-          <a:ext cx="0" cy="0"/>
-          <a:chOff x="0" y="0"/>
-          <a:chExt cx="0" cy="0"/>
-        </a:xfrm>
-      </p:grpSpPr>
-      <p:sp>
-        <p:nvSpPr>
-          <p:cNvPr id="2" name="Título 1"/>
-          <p:cNvSpPr>
-            <a:spLocks noGrp="1"/>
-          </p:cNvSpPr>
-          <p:nvPr>
-            <p:ph type="title"/>
-          </p:nvPr>
-        </p:nvSpPr>
-        <p:spPr/>
-        <p:txBody>
-          <a:bodyPr/>
-          <a:lstStyle/>
-          <a:p>
-            <a:pPr algn="ctr"/>
-            <a:r>
-              <a:rPr lang="pt-BR" dirty="0"/>
-              <a:t>Projeto: </a:t>
-            </a:r>
-            <a:r>
-              <a:rPr lang="pt-BR" b="1" dirty="0" err="1"/>
-              <a:t>Cooptel</a:t>
-            </a:r>
-            <a:r>
-              <a:rPr lang="pt-BR" b="1" dirty="0"/>
-              <a:t> - Cooperativa de </a:t>
-            </a:r>
-            <a:r>
-              <a:rPr lang="pt-BR" b="1" dirty="0" smtClean="0"/>
-              <a:t>Hospedagem</a:t>
-            </a:r>
-            <a:endParaRPr lang="pt-BR" dirty="0"/>
-          </a:p>
-        </p:txBody>
-      </p:sp>
-      <p:sp>
-        <p:nvSpPr>
-          <p:cNvPr id="3" name="Espaço Reservado para Conteúdo 2"/>
-          <p:cNvSpPr>
-            <a:spLocks noGrp="1"/>
-          </p:cNvSpPr>
-          <p:nvPr>
-            <p:ph sz="quarter" idx="13"/>
-          </p:nvPr>
-        </p:nvSpPr>
-        <p:spPr/>
-        <p:txBody>
-          <a:bodyPr/>
-          <a:lstStyle/>
-          <a:p>
-            <a:r>
-              <a:rPr lang="pt-BR" sz="2400" dirty="0"/>
-              <a:t>A </a:t>
-            </a:r>
-            <a:r>
-              <a:rPr lang="pt-BR" sz="2400" dirty="0" err="1"/>
-              <a:t>Cooptel</a:t>
-            </a:r>
-            <a:r>
-              <a:rPr lang="pt-BR" sz="2400" dirty="0"/>
-              <a:t> é uma cooperativa de hospedagem para visitantes da copa do mundo e de outros eventos que devem ocorrer no país. O Sistema </a:t>
-            </a:r>
-            <a:r>
-              <a:rPr lang="pt-BR" sz="2400" dirty="0" err="1"/>
-              <a:t>Cooptel</a:t>
-            </a:r>
-            <a:r>
-              <a:rPr lang="pt-BR" sz="2400" dirty="0"/>
-              <a:t> deve contar com uma rede de colaboradores que disponibilizam acomodações para visitantes. As acomodações são classificadas e ofertadas segundo uma padronização definida pela administração do sistema. O visitante, então, pode pesquisar as acomodações oferecidas conforme suas necessidades e, através do sistema, efetuar a reserva.</a:t>
-            </a:r>
-          </a:p>
-          <a:p>
-            <a:endParaRPr lang="pt-BR" dirty="0"/>
-          </a:p>
-        </p:txBody>
-      </p:sp>
-    </p:spTree>
-    <p:extLst>
-      <p:ext uri="{BB962C8B-B14F-4D97-AF65-F5344CB8AC3E}">
-        <p14:creationId xmlns:p14="http://schemas.microsoft.com/office/powerpoint/2010/main" val="2556782960"/>
-      </p:ext>
-    </p:extLst>
-  </p:cSld>
-  <p:clrMapOvr>
-    <a:masterClrMapping/>
-  </p:clrMapOvr>
 </p:sld>
 </file>
 

--- a/Documentos/ApresentaçãoCiclo1.pptx
+++ b/Documentos/ApresentaçãoCiclo1.pptx
@@ -17,9 +17,11 @@
     <p:sldId id="278" r:id="rId11"/>
     <p:sldId id="279" r:id="rId12"/>
     <p:sldId id="280" r:id="rId13"/>
-    <p:sldId id="275" r:id="rId14"/>
-    <p:sldId id="273" r:id="rId15"/>
-    <p:sldId id="274" r:id="rId16"/>
+    <p:sldId id="281" r:id="rId14"/>
+    <p:sldId id="275" r:id="rId15"/>
+    <p:sldId id="273" r:id="rId16"/>
+    <p:sldId id="274" r:id="rId17"/>
+    <p:sldId id="282" r:id="rId18"/>
   </p:sldIdLst>
   <p:sldSz cx="9144000" cy="6858000" type="screen4x3"/>
   <p:notesSz cx="6858000" cy="9144000"/>
@@ -4029,8 +4031,8 @@
         </p:nvSpPr>
         <p:spPr>
           <a:xfrm>
-            <a:off x="609600" y="274638"/>
-            <a:ext cx="7924800" cy="562074"/>
+            <a:off x="1905744" y="346646"/>
+            <a:ext cx="5330552" cy="634082"/>
           </a:xfrm>
         </p:spPr>
         <p:txBody>
@@ -4040,7 +4042,7 @@
             <a:pPr algn="ctr"/>
             <a:r>
               <a:rPr lang="pt-BR" dirty="0" smtClean="0"/>
-              <a:t>Tela de cadastro de acomodação</a:t>
+              <a:t>TELA DE LOGIN</a:t>
             </a:r>
             <a:endParaRPr lang="pt-BR" dirty="0"/>
           </a:p>
@@ -4048,13 +4050,11 @@
       </p:sp>
       <p:pic>
         <p:nvPicPr>
-          <p:cNvPr id="4" name="Espaço Reservado para Conteúdo 3"/>
+          <p:cNvPr id="1026" name="Picture 2" descr="C:\Users\Tiezer\Documents\Turtoise\cooptel-ucs\telas\login.jpg"/>
           <p:cNvPicPr>
-            <a:picLocks noGrp="1" noChangeAspect="1"/>
+            <a:picLocks noChangeAspect="1" noChangeArrowheads="1"/>
           </p:cNvPicPr>
-          <p:nvPr>
-            <p:ph sz="quarter" idx="13"/>
-          </p:nvPr>
+          <p:nvPr/>
         </p:nvPicPr>
         <p:blipFill>
           <a:blip r:embed="rId2">
@@ -4064,34 +4064,41 @@
               </a:ext>
             </a:extLst>
           </a:blip>
+          <a:srcRect/>
           <a:stretch>
             <a:fillRect/>
           </a:stretch>
         </p:blipFill>
-        <p:spPr>
+        <p:spPr bwMode="auto">
           <a:xfrm>
-            <a:off x="1835696" y="908720"/>
-            <a:ext cx="5256584" cy="5832648"/>
+            <a:off x="1403648" y="2060848"/>
+            <a:ext cx="6374687" cy="3816424"/>
           </a:xfrm>
+          <a:prstGeom prst="rect">
+            <a:avLst/>
+          </a:prstGeom>
+          <a:noFill/>
+          <a:extLst>
+            <a:ext uri="{909E8E84-426E-40DD-AFC4-6F175D3DCCD1}">
+              <a14:hiddenFill xmlns:a14="http://schemas.microsoft.com/office/drawing/2010/main">
+                <a:solidFill>
+                  <a:srgbClr val="FFFFFF"/>
+                </a:solidFill>
+              </a14:hiddenFill>
+            </a:ext>
+          </a:extLst>
         </p:spPr>
       </p:pic>
     </p:spTree>
     <p:extLst>
       <p:ext uri="{BB962C8B-B14F-4D97-AF65-F5344CB8AC3E}">
-        <p14:creationId xmlns:p14="http://schemas.microsoft.com/office/powerpoint/2010/main" val="1187820420"/>
+        <p14:creationId xmlns:p14="http://schemas.microsoft.com/office/powerpoint/2010/main" val="1577931614"/>
       </p:ext>
     </p:extLst>
   </p:cSld>
   <p:clrMapOvr>
     <a:masterClrMapping/>
   </p:clrMapOvr>
-  <p:timing>
-    <p:tnLst>
-      <p:par>
-        <p:cTn id="1" dur="indefinite" restart="never" nodeType="tmRoot"/>
-      </p:par>
-    </p:tnLst>
-  </p:timing>
 </p:sld>
 </file>
 
@@ -4124,17 +4131,18 @@
         </p:nvSpPr>
         <p:spPr>
           <a:xfrm>
-            <a:off x="1185664" y="274638"/>
-            <a:ext cx="6626696" cy="634082"/>
+            <a:off x="609600" y="274638"/>
+            <a:ext cx="7924800" cy="562074"/>
           </a:xfrm>
         </p:spPr>
         <p:txBody>
           <a:bodyPr/>
           <a:lstStyle/>
           <a:p>
+            <a:pPr algn="ctr"/>
             <a:r>
               <a:rPr lang="pt-BR" dirty="0" smtClean="0"/>
-              <a:t>Tela de cadastro do colaborador</a:t>
+              <a:t>Tela de cadastro de acomodação</a:t>
             </a:r>
             <a:endParaRPr lang="pt-BR" dirty="0"/>
           </a:p>
@@ -4142,13 +4150,11 @@
       </p:sp>
       <p:pic>
         <p:nvPicPr>
-          <p:cNvPr id="4" name="Espaço Reservado para Conteúdo 3"/>
+          <p:cNvPr id="2050" name="Picture 2" descr="C:\Users\Tiezer\Documents\Turtoise\cooptel-ucs\telas\cadastro_acomodacao.jpg"/>
           <p:cNvPicPr>
-            <a:picLocks noGrp="1" noChangeAspect="1"/>
+            <a:picLocks noChangeAspect="1" noChangeArrowheads="1"/>
           </p:cNvPicPr>
-          <p:nvPr>
-            <p:ph sz="quarter" idx="13"/>
-          </p:nvPr>
+          <p:nvPr/>
         </p:nvPicPr>
         <p:blipFill>
           <a:blip r:embed="rId2">
@@ -4158,21 +4164,35 @@
               </a:ext>
             </a:extLst>
           </a:blip>
+          <a:srcRect/>
           <a:stretch>
             <a:fillRect/>
           </a:stretch>
         </p:blipFill>
-        <p:spPr>
+        <p:spPr bwMode="auto">
           <a:xfrm>
-            <a:off x="1403648" y="1756589"/>
-            <a:ext cx="6264696" cy="3758817"/>
+            <a:off x="1763688" y="1013453"/>
+            <a:ext cx="5688632" cy="5511891"/>
           </a:xfrm>
+          <a:prstGeom prst="rect">
+            <a:avLst/>
+          </a:prstGeom>
+          <a:noFill/>
+          <a:extLst>
+            <a:ext uri="{909E8E84-426E-40DD-AFC4-6F175D3DCCD1}">
+              <a14:hiddenFill xmlns:a14="http://schemas.microsoft.com/office/drawing/2010/main">
+                <a:solidFill>
+                  <a:srgbClr val="FFFFFF"/>
+                </a:solidFill>
+              </a14:hiddenFill>
+            </a:ext>
+          </a:extLst>
         </p:spPr>
       </p:pic>
     </p:spTree>
     <p:extLst>
       <p:ext uri="{BB962C8B-B14F-4D97-AF65-F5344CB8AC3E}">
-        <p14:creationId xmlns:p14="http://schemas.microsoft.com/office/powerpoint/2010/main" val="3047077653"/>
+        <p14:creationId xmlns:p14="http://schemas.microsoft.com/office/powerpoint/2010/main" val="1187820420"/>
       </p:ext>
     </p:extLst>
   </p:cSld>
@@ -4218,6 +4238,112 @@
         </p:nvSpPr>
         <p:spPr>
           <a:xfrm>
+            <a:off x="1185664" y="274638"/>
+            <a:ext cx="6626696" cy="634082"/>
+          </a:xfrm>
+        </p:spPr>
+        <p:txBody>
+          <a:bodyPr/>
+          <a:lstStyle/>
+          <a:p>
+            <a:r>
+              <a:rPr lang="pt-BR" dirty="0" smtClean="0"/>
+              <a:t>Tela de cadastro do colaborador</a:t>
+            </a:r>
+            <a:endParaRPr lang="pt-BR" dirty="0"/>
+          </a:p>
+        </p:txBody>
+      </p:sp>
+      <p:pic>
+        <p:nvPicPr>
+          <p:cNvPr id="3074" name="Picture 2" descr="C:\Users\Tiezer\Documents\Turtoise\cooptel-ucs\telas\cadastro_colaborador.jpg"/>
+          <p:cNvPicPr>
+            <a:picLocks noChangeAspect="1" noChangeArrowheads="1"/>
+          </p:cNvPicPr>
+          <p:nvPr/>
+        </p:nvPicPr>
+        <p:blipFill>
+          <a:blip r:embed="rId2">
+            <a:extLst>
+              <a:ext uri="{28A0092B-C50C-407E-A947-70E740481C1C}">
+                <a14:useLocalDpi xmlns:a14="http://schemas.microsoft.com/office/drawing/2010/main" val="0"/>
+              </a:ext>
+            </a:extLst>
+          </a:blip>
+          <a:srcRect/>
+          <a:stretch>
+            <a:fillRect/>
+          </a:stretch>
+        </p:blipFill>
+        <p:spPr bwMode="auto">
+          <a:xfrm>
+            <a:off x="755576" y="1340768"/>
+            <a:ext cx="7706671" cy="4608512"/>
+          </a:xfrm>
+          <a:prstGeom prst="rect">
+            <a:avLst/>
+          </a:prstGeom>
+          <a:noFill/>
+          <a:extLst>
+            <a:ext uri="{909E8E84-426E-40DD-AFC4-6F175D3DCCD1}">
+              <a14:hiddenFill xmlns:a14="http://schemas.microsoft.com/office/drawing/2010/main">
+                <a:solidFill>
+                  <a:srgbClr val="FFFFFF"/>
+                </a:solidFill>
+              </a14:hiddenFill>
+            </a:ext>
+          </a:extLst>
+        </p:spPr>
+      </p:pic>
+    </p:spTree>
+    <p:extLst>
+      <p:ext uri="{BB962C8B-B14F-4D97-AF65-F5344CB8AC3E}">
+        <p14:creationId xmlns:p14="http://schemas.microsoft.com/office/powerpoint/2010/main" val="3047077653"/>
+      </p:ext>
+    </p:extLst>
+  </p:cSld>
+  <p:clrMapOvr>
+    <a:masterClrMapping/>
+  </p:clrMapOvr>
+  <p:timing>
+    <p:tnLst>
+      <p:par>
+        <p:cTn id="1" dur="indefinite" restart="never" nodeType="tmRoot"/>
+      </p:par>
+    </p:tnLst>
+  </p:timing>
+</p:sld>
+</file>
+
+<file path=ppt/slides/slide16.xml><?xml version="1.0" encoding="utf-8"?>
+<p:sld xmlns:a="http://schemas.openxmlformats.org/drawingml/2006/main" xmlns:r="http://schemas.openxmlformats.org/officeDocument/2006/relationships" xmlns:p="http://schemas.openxmlformats.org/presentationml/2006/main">
+  <p:cSld>
+    <p:spTree>
+      <p:nvGrpSpPr>
+        <p:cNvPr id="1" name=""/>
+        <p:cNvGrpSpPr/>
+        <p:nvPr/>
+      </p:nvGrpSpPr>
+      <p:grpSpPr>
+        <a:xfrm>
+          <a:off x="0" y="0"/>
+          <a:ext cx="0" cy="0"/>
+          <a:chOff x="0" y="0"/>
+          <a:chExt cx="0" cy="0"/>
+        </a:xfrm>
+      </p:grpSpPr>
+      <p:sp>
+        <p:nvSpPr>
+          <p:cNvPr id="2" name="Título 1"/>
+          <p:cNvSpPr>
+            <a:spLocks noGrp="1"/>
+          </p:cNvSpPr>
+          <p:nvPr>
+            <p:ph type="title"/>
+          </p:nvPr>
+        </p:nvSpPr>
+        <p:spPr>
+          <a:xfrm>
             <a:off x="611560" y="274638"/>
             <a:ext cx="7344816" cy="562074"/>
           </a:xfrm>
@@ -4235,25 +4361,47 @@
           </a:p>
         </p:txBody>
       </p:sp>
-      <p:sp>
-        <p:nvSpPr>
-          <p:cNvPr id="3" name="Espaço Reservado para Conteúdo 2"/>
-          <p:cNvSpPr>
-            <a:spLocks noGrp="1"/>
-          </p:cNvSpPr>
-          <p:nvPr>
-            <p:ph sz="quarter" idx="13"/>
-          </p:nvPr>
-        </p:nvSpPr>
-        <p:spPr/>
-        <p:txBody>
-          <a:bodyPr/>
-          <a:lstStyle/>
-          <a:p>
-            <a:endParaRPr lang="pt-BR"/>
-          </a:p>
-        </p:txBody>
-      </p:sp>
+      <p:pic>
+        <p:nvPicPr>
+          <p:cNvPr id="4098" name="Picture 2" descr="C:\Users\Tiezer\Documents\Turtoise\cooptel-ucs\telas\liberar_acesso.jpg"/>
+          <p:cNvPicPr>
+            <a:picLocks noChangeAspect="1" noChangeArrowheads="1"/>
+          </p:cNvPicPr>
+          <p:nvPr/>
+        </p:nvPicPr>
+        <p:blipFill>
+          <a:blip r:embed="rId2">
+            <a:extLst>
+              <a:ext uri="{28A0092B-C50C-407E-A947-70E740481C1C}">
+                <a14:useLocalDpi xmlns:a14="http://schemas.microsoft.com/office/drawing/2010/main" val="0"/>
+              </a:ext>
+            </a:extLst>
+          </a:blip>
+          <a:srcRect/>
+          <a:stretch>
+            <a:fillRect/>
+          </a:stretch>
+        </p:blipFill>
+        <p:spPr bwMode="auto">
+          <a:xfrm>
+            <a:off x="981574" y="1484784"/>
+            <a:ext cx="7190826" cy="4608512"/>
+          </a:xfrm>
+          <a:prstGeom prst="rect">
+            <a:avLst/>
+          </a:prstGeom>
+          <a:noFill/>
+          <a:extLst>
+            <a:ext uri="{909E8E84-426E-40DD-AFC4-6F175D3DCCD1}">
+              <a14:hiddenFill xmlns:a14="http://schemas.microsoft.com/office/drawing/2010/main">
+                <a:solidFill>
+                  <a:srgbClr val="FFFFFF"/>
+                </a:solidFill>
+              </a14:hiddenFill>
+            </a:ext>
+          </a:extLst>
+        </p:spPr>
+      </p:pic>
     </p:spTree>
     <p:extLst>
       <p:ext uri="{BB962C8B-B14F-4D97-AF65-F5344CB8AC3E}">
@@ -4271,6 +4419,105 @@
       </p:par>
     </p:tnLst>
   </p:timing>
+</p:sld>
+</file>
+
+<file path=ppt/slides/slide17.xml><?xml version="1.0" encoding="utf-8"?>
+<p:sld xmlns:a="http://schemas.openxmlformats.org/drawingml/2006/main" xmlns:r="http://schemas.openxmlformats.org/officeDocument/2006/relationships" xmlns:p="http://schemas.openxmlformats.org/presentationml/2006/main">
+  <p:cSld>
+    <p:spTree>
+      <p:nvGrpSpPr>
+        <p:cNvPr id="1" name=""/>
+        <p:cNvGrpSpPr/>
+        <p:nvPr/>
+      </p:nvGrpSpPr>
+      <p:grpSpPr>
+        <a:xfrm>
+          <a:off x="0" y="0"/>
+          <a:ext cx="0" cy="0"/>
+          <a:chOff x="0" y="0"/>
+          <a:chExt cx="0" cy="0"/>
+        </a:xfrm>
+      </p:grpSpPr>
+      <p:sp>
+        <p:nvSpPr>
+          <p:cNvPr id="2" name="Título 1"/>
+          <p:cNvSpPr>
+            <a:spLocks noGrp="1"/>
+          </p:cNvSpPr>
+          <p:nvPr>
+            <p:ph type="title"/>
+          </p:nvPr>
+        </p:nvSpPr>
+        <p:spPr>
+          <a:xfrm>
+            <a:off x="2305503" y="202630"/>
+            <a:ext cx="4394448" cy="706090"/>
+          </a:xfrm>
+        </p:spPr>
+        <p:txBody>
+          <a:bodyPr/>
+          <a:lstStyle/>
+          <a:p>
+            <a:r>
+              <a:rPr lang="pt-BR" dirty="0" smtClean="0"/>
+              <a:t>LISTA DE ACOMODAÇÃO</a:t>
+            </a:r>
+            <a:endParaRPr lang="pt-BR" dirty="0"/>
+          </a:p>
+        </p:txBody>
+      </p:sp>
+      <p:pic>
+        <p:nvPicPr>
+          <p:cNvPr id="5122" name="Picture 2" descr="C:\Users\Tiezer\Documents\Turtoise\cooptel-ucs\telas\lista_acomodacao.jpg"/>
+          <p:cNvPicPr>
+            <a:picLocks noChangeAspect="1" noChangeArrowheads="1"/>
+          </p:cNvPicPr>
+          <p:nvPr/>
+        </p:nvPicPr>
+        <p:blipFill>
+          <a:blip r:embed="rId2">
+            <a:extLst>
+              <a:ext uri="{28A0092B-C50C-407E-A947-70E740481C1C}">
+                <a14:useLocalDpi xmlns:a14="http://schemas.microsoft.com/office/drawing/2010/main" val="0"/>
+              </a:ext>
+            </a:extLst>
+          </a:blip>
+          <a:srcRect/>
+          <a:stretch>
+            <a:fillRect/>
+          </a:stretch>
+        </p:blipFill>
+        <p:spPr bwMode="auto">
+          <a:xfrm>
+            <a:off x="1302632" y="1124744"/>
+            <a:ext cx="6400190" cy="4896544"/>
+          </a:xfrm>
+          <a:prstGeom prst="rect">
+            <a:avLst/>
+          </a:prstGeom>
+          <a:noFill/>
+          <a:extLst>
+            <a:ext uri="{909E8E84-426E-40DD-AFC4-6F175D3DCCD1}">
+              <a14:hiddenFill xmlns:a14="http://schemas.microsoft.com/office/drawing/2010/main">
+                <a:solidFill>
+                  <a:srgbClr val="FFFFFF"/>
+                </a:solidFill>
+              </a14:hiddenFill>
+            </a:ext>
+          </a:extLst>
+        </p:spPr>
+      </p:pic>
+    </p:spTree>
+    <p:extLst>
+      <p:ext uri="{BB962C8B-B14F-4D97-AF65-F5344CB8AC3E}">
+        <p14:creationId xmlns:p14="http://schemas.microsoft.com/office/powerpoint/2010/main" val="1479044754"/>
+      </p:ext>
+    </p:extLst>
+  </p:cSld>
+  <p:clrMapOvr>
+    <a:masterClrMapping/>
+  </p:clrMapOvr>
 </p:sld>
 </file>
 
